--- a/ppt/3.2 队列.pptx
+++ b/ppt/3.2 队列.pptx
@@ -5,7 +5,7 @@
     <p:sldMasterId id="2147483648" r:id="rId1"/>
   </p:sldMasterIdLst>
   <p:notesMasterIdLst>
-    <p:notesMasterId r:id="rId12"/>
+    <p:notesMasterId r:id="rId18"/>
   </p:notesMasterIdLst>
   <p:sldIdLst>
     <p:sldId id="258" r:id="rId2"/>
@@ -13,11 +13,17 @@
     <p:sldId id="259" r:id="rId4"/>
     <p:sldId id="280" r:id="rId5"/>
     <p:sldId id="285" r:id="rId6"/>
-    <p:sldId id="286" r:id="rId7"/>
-    <p:sldId id="283" r:id="rId8"/>
-    <p:sldId id="279" r:id="rId9"/>
-    <p:sldId id="288" r:id="rId10"/>
-    <p:sldId id="265" r:id="rId11"/>
+    <p:sldId id="290" r:id="rId7"/>
+    <p:sldId id="294" r:id="rId8"/>
+    <p:sldId id="292" r:id="rId9"/>
+    <p:sldId id="293" r:id="rId10"/>
+    <p:sldId id="291" r:id="rId11"/>
+    <p:sldId id="289" r:id="rId12"/>
+    <p:sldId id="286" r:id="rId13"/>
+    <p:sldId id="283" r:id="rId14"/>
+    <p:sldId id="279" r:id="rId15"/>
+    <p:sldId id="288" r:id="rId16"/>
+    <p:sldId id="265" r:id="rId17"/>
   </p:sldIdLst>
   <p:sldSz cx="12192000" cy="6858000"/>
   <p:notesSz cx="6858000" cy="9144000"/>
@@ -130,6 +136,12 @@
             <p14:sldId id="259"/>
             <p14:sldId id="280"/>
             <p14:sldId id="285"/>
+            <p14:sldId id="290"/>
+            <p14:sldId id="294"/>
+            <p14:sldId id="292"/>
+            <p14:sldId id="293"/>
+            <p14:sldId id="291"/>
+            <p14:sldId id="289"/>
             <p14:sldId id="286"/>
             <p14:sldId id="283"/>
             <p14:sldId id="279"/>
@@ -140,7 +152,18 @@
       </p14:sectionLst>
     </p:ext>
     <p:ext uri="{EFAFB233-063F-42B5-8137-9DF3F51BA10A}">
-      <p15:sldGuideLst xmlns:p15="http://schemas.microsoft.com/office/powerpoint/2012/main"/>
+      <p15:sldGuideLst xmlns:p15="http://schemas.microsoft.com/office/powerpoint/2012/main">
+        <p15:guide id="1" orient="horz" pos="2160">
+          <p15:clr>
+            <a:srgbClr val="A4A3A4"/>
+          </p15:clr>
+        </p15:guide>
+        <p15:guide id="2" pos="3840">
+          <p15:clr>
+            <a:srgbClr val="A4A3A4"/>
+          </p15:clr>
+        </p15:guide>
+      </p15:sldGuideLst>
     </p:ext>
   </p:extLst>
 </p:presentation>
@@ -228,7 +251,8 @@
           <a:p>
             <a:fld id="{66C3546E-20F6-7649-A9A4-4E4A245D3E82}" type="datetimeFigureOut">
               <a:rPr kumimoji="1" lang="zh-CN" altLang="en-US" smtClean="0"/>
-              <a:t>2019/12/5</a:t>
+              <a:pPr/>
+              <a:t>2020/3/3</a:t>
             </a:fld>
             <a:endParaRPr kumimoji="1" lang="zh-CN" altLang="en-US"/>
           </a:p>
@@ -386,6 +410,7 @@
           <a:p>
             <a:fld id="{0F8E57A1-C481-6944-857F-EAC8E932B5ED}" type="slidenum">
               <a:rPr kumimoji="1" lang="zh-CN" altLang="en-US" smtClean="0"/>
+              <a:pPr/>
               <a:t>‹#›</a:t>
             </a:fld>
             <a:endParaRPr kumimoji="1" lang="zh-CN" altLang="en-US"/>
@@ -539,30 +564,6 @@
           <a:bodyPr/>
           <a:lstStyle/>
           <a:p>
-            <a:pPr marL="0" marR="0" lvl="0" indent="0" algn="l" defTabSz="914400" rtl="0" eaLnBrk="1" fontAlgn="auto" latinLnBrk="0" hangingPunct="1">
-              <a:lnSpc>
-                <a:spcPct val="100000"/>
-              </a:lnSpc>
-              <a:spcBef>
-                <a:spcPts val="0"/>
-              </a:spcBef>
-              <a:spcAft>
-                <a:spcPts val="0"/>
-              </a:spcAft>
-              <a:buClrTx/>
-              <a:buSzTx/>
-              <a:buFontTx/>
-              <a:buNone/>
-              <a:tabLst/>
-              <a:defRPr/>
-            </a:pPr>
-            <a:r>
-              <a:rPr kumimoji="1" lang="zh-CN" altLang="en-US" dirty="0"/>
-              <a:t>另一个例子：狗会叫，猫会叫，鸭子也会叫，那他们可以抽象成 一个动物对象，这个动物对象有叫这个动作，但至于具体如何叫，就不是抽象数据模型的职责了，而是具体数据类型的职责</a:t>
-            </a:r>
-            <a:endParaRPr kumimoji="1" lang="en-US" altLang="zh-CN" dirty="0"/>
-          </a:p>
-          <a:p>
             <a:endParaRPr kumimoji="1" lang="zh-CN" altLang="en-US" dirty="0"/>
           </a:p>
         </p:txBody>
@@ -584,6 +585,7 @@
           <a:p>
             <a:fld id="{0F8E57A1-C481-6944-857F-EAC8E932B5ED}" type="slidenum">
               <a:rPr kumimoji="1" lang="zh-CN" altLang="en-US" smtClean="0"/>
+              <a:pPr/>
               <a:t>8</a:t>
             </a:fld>
             <a:endParaRPr kumimoji="1" lang="zh-CN" altLang="en-US"/>
@@ -593,7 +595,7 @@
     </p:spTree>
     <p:extLst>
       <p:ext uri="{BB962C8B-B14F-4D97-AF65-F5344CB8AC3E}">
-        <p14:creationId xmlns:p14="http://schemas.microsoft.com/office/powerpoint/2010/main" val="4167110842"/>
+        <p14:creationId xmlns:p14="http://schemas.microsoft.com/office/powerpoint/2010/main" val="557666772"/>
       </p:ext>
     </p:extLst>
   </p:cSld>
@@ -647,7 +649,31 @@
           <a:bodyPr/>
           <a:lstStyle/>
           <a:p>
-            <a:endParaRPr kumimoji="1" lang="zh-CN" altLang="en-US"/>
+            <a:pPr marL="0" marR="0" lvl="0" indent="0" algn="l" defTabSz="914400" rtl="0" eaLnBrk="1" fontAlgn="auto" latinLnBrk="0" hangingPunct="1">
+              <a:lnSpc>
+                <a:spcPct val="100000"/>
+              </a:lnSpc>
+              <a:spcBef>
+                <a:spcPts val="0"/>
+              </a:spcBef>
+              <a:spcAft>
+                <a:spcPts val="0"/>
+              </a:spcAft>
+              <a:buClrTx/>
+              <a:buSzTx/>
+              <a:buFontTx/>
+              <a:buNone/>
+              <a:tabLst/>
+              <a:defRPr/>
+            </a:pPr>
+            <a:r>
+              <a:rPr kumimoji="1" lang="zh-CN" altLang="en-US" dirty="0"/>
+              <a:t>另一个例子：狗会叫，猫会叫，鸭子也会叫，那他们可以抽象成 一个动物对象，这个动物对象有叫这个动作，但至于具体如何叫，就不是抽象数据模型的职责了，而是具体数据类型的职责</a:t>
+            </a:r>
+            <a:endParaRPr kumimoji="1" lang="en-US" altLang="zh-CN" dirty="0"/>
+          </a:p>
+          <a:p>
+            <a:endParaRPr kumimoji="1" lang="zh-CN" altLang="en-US" dirty="0"/>
           </a:p>
         </p:txBody>
       </p:sp>
@@ -668,7 +694,8 @@
           <a:p>
             <a:fld id="{0F8E57A1-C481-6944-857F-EAC8E932B5ED}" type="slidenum">
               <a:rPr kumimoji="1" lang="zh-CN" altLang="en-US" smtClean="0"/>
-              <a:t>9</a:t>
+              <a:pPr/>
+              <a:t>14</a:t>
             </a:fld>
             <a:endParaRPr kumimoji="1" lang="zh-CN" altLang="en-US"/>
           </a:p>
@@ -677,7 +704,7 @@
     </p:spTree>
     <p:extLst>
       <p:ext uri="{BB962C8B-B14F-4D97-AF65-F5344CB8AC3E}">
-        <p14:creationId xmlns:p14="http://schemas.microsoft.com/office/powerpoint/2010/main" val="3812805568"/>
+        <p14:creationId xmlns:p14="http://schemas.microsoft.com/office/powerpoint/2010/main" val="4167110842"/>
       </p:ext>
     </p:extLst>
   </p:cSld>
@@ -731,7 +758,7 @@
           <a:bodyPr/>
           <a:lstStyle/>
           <a:p>
-            <a:endParaRPr kumimoji="1" lang="zh-CN" altLang="en-US" dirty="0"/>
+            <a:endParaRPr kumimoji="1" lang="zh-CN" altLang="en-US"/>
           </a:p>
         </p:txBody>
       </p:sp>
@@ -752,7 +779,93 @@
           <a:p>
             <a:fld id="{0F8E57A1-C481-6944-857F-EAC8E932B5ED}" type="slidenum">
               <a:rPr kumimoji="1" lang="zh-CN" altLang="en-US" smtClean="0"/>
-              <a:t>10</a:t>
+              <a:pPr/>
+              <a:t>15</a:t>
+            </a:fld>
+            <a:endParaRPr kumimoji="1" lang="zh-CN" altLang="en-US"/>
+          </a:p>
+        </p:txBody>
+      </p:sp>
+    </p:spTree>
+    <p:extLst>
+      <p:ext uri="{BB962C8B-B14F-4D97-AF65-F5344CB8AC3E}">
+        <p14:creationId xmlns:p14="http://schemas.microsoft.com/office/powerpoint/2010/main" val="3812805568"/>
+      </p:ext>
+    </p:extLst>
+  </p:cSld>
+  <p:clrMapOvr>
+    <a:masterClrMapping/>
+  </p:clrMapOvr>
+</p:notes>
+</file>
+
+<file path=ppt/notesSlides/notesSlide4.xml><?xml version="1.0" encoding="utf-8"?>
+<p:notes xmlns:a="http://schemas.openxmlformats.org/drawingml/2006/main" xmlns:r="http://schemas.openxmlformats.org/officeDocument/2006/relationships" xmlns:p="http://schemas.openxmlformats.org/presentationml/2006/main">
+  <p:cSld>
+    <p:spTree>
+      <p:nvGrpSpPr>
+        <p:cNvPr id="1" name=""/>
+        <p:cNvGrpSpPr/>
+        <p:nvPr/>
+      </p:nvGrpSpPr>
+      <p:grpSpPr>
+        <a:xfrm>
+          <a:off x="0" y="0"/>
+          <a:ext cx="0" cy="0"/>
+          <a:chOff x="0" y="0"/>
+          <a:chExt cx="0" cy="0"/>
+        </a:xfrm>
+      </p:grpSpPr>
+      <p:sp>
+        <p:nvSpPr>
+          <p:cNvPr id="2" name="幻灯片图像占位符 1"/>
+          <p:cNvSpPr>
+            <a:spLocks noGrp="1" noRot="1" noChangeAspect="1"/>
+          </p:cNvSpPr>
+          <p:nvPr>
+            <p:ph type="sldImg"/>
+          </p:nvPr>
+        </p:nvSpPr>
+        <p:spPr/>
+      </p:sp>
+      <p:sp>
+        <p:nvSpPr>
+          <p:cNvPr id="3" name="备注占位符 2"/>
+          <p:cNvSpPr>
+            <a:spLocks noGrp="1"/>
+          </p:cNvSpPr>
+          <p:nvPr>
+            <p:ph type="body" idx="1"/>
+          </p:nvPr>
+        </p:nvSpPr>
+        <p:spPr/>
+        <p:txBody>
+          <a:bodyPr/>
+          <a:lstStyle/>
+          <a:p>
+            <a:endParaRPr kumimoji="1" lang="zh-CN" altLang="en-US" dirty="0"/>
+          </a:p>
+        </p:txBody>
+      </p:sp>
+      <p:sp>
+        <p:nvSpPr>
+          <p:cNvPr id="4" name="灯片编号占位符 3"/>
+          <p:cNvSpPr>
+            <a:spLocks noGrp="1"/>
+          </p:cNvSpPr>
+          <p:nvPr>
+            <p:ph type="sldNum" sz="quarter" idx="5"/>
+          </p:nvPr>
+        </p:nvSpPr>
+        <p:spPr/>
+        <p:txBody>
+          <a:bodyPr/>
+          <a:lstStyle/>
+          <a:p>
+            <a:fld id="{0F8E57A1-C481-6944-857F-EAC8E932B5ED}" type="slidenum">
+              <a:rPr kumimoji="1" lang="zh-CN" altLang="en-US" smtClean="0"/>
+              <a:pPr/>
+              <a:t>16</a:t>
             </a:fld>
             <a:endParaRPr kumimoji="1" lang="zh-CN" altLang="en-US"/>
           </a:p>
@@ -918,7 +1031,8 @@
           <a:p>
             <a:fld id="{1C49BB65-7B3F-4D4E-A397-BBFD82890A5A}" type="datetimeFigureOut">
               <a:rPr kumimoji="1" lang="zh-CN" altLang="en-US" smtClean="0"/>
-              <a:t>2019/12/5</a:t>
+              <a:pPr/>
+              <a:t>2020/3/3</a:t>
             </a:fld>
             <a:endParaRPr kumimoji="1" lang="zh-CN" altLang="en-US"/>
           </a:p>
@@ -972,6 +1086,7 @@
           <a:p>
             <a:fld id="{CE991BE3-A09C-B74C-8EDD-D19B1FF70090}" type="slidenum">
               <a:rPr kumimoji="1" lang="zh-CN" altLang="en-US" smtClean="0"/>
+              <a:pPr/>
               <a:t>‹#›</a:t>
             </a:fld>
             <a:endParaRPr kumimoji="1" lang="zh-CN" altLang="en-US"/>
@@ -1116,7 +1231,8 @@
           <a:p>
             <a:fld id="{1C49BB65-7B3F-4D4E-A397-BBFD82890A5A}" type="datetimeFigureOut">
               <a:rPr kumimoji="1" lang="zh-CN" altLang="en-US" smtClean="0"/>
-              <a:t>2019/12/5</a:t>
+              <a:pPr/>
+              <a:t>2020/3/3</a:t>
             </a:fld>
             <a:endParaRPr kumimoji="1" lang="zh-CN" altLang="en-US"/>
           </a:p>
@@ -1170,6 +1286,7 @@
           <a:p>
             <a:fld id="{CE991BE3-A09C-B74C-8EDD-D19B1FF70090}" type="slidenum">
               <a:rPr kumimoji="1" lang="zh-CN" altLang="en-US" smtClean="0"/>
+              <a:pPr/>
               <a:t>‹#›</a:t>
             </a:fld>
             <a:endParaRPr kumimoji="1" lang="zh-CN" altLang="en-US"/>
@@ -1324,7 +1441,8 @@
           <a:p>
             <a:fld id="{1C49BB65-7B3F-4D4E-A397-BBFD82890A5A}" type="datetimeFigureOut">
               <a:rPr kumimoji="1" lang="zh-CN" altLang="en-US" smtClean="0"/>
-              <a:t>2019/12/5</a:t>
+              <a:pPr/>
+              <a:t>2020/3/3</a:t>
             </a:fld>
             <a:endParaRPr kumimoji="1" lang="zh-CN" altLang="en-US"/>
           </a:p>
@@ -1378,6 +1496,7 @@
           <a:p>
             <a:fld id="{CE991BE3-A09C-B74C-8EDD-D19B1FF70090}" type="slidenum">
               <a:rPr kumimoji="1" lang="zh-CN" altLang="en-US" smtClean="0"/>
+              <a:pPr/>
               <a:t>‹#›</a:t>
             </a:fld>
             <a:endParaRPr kumimoji="1" lang="zh-CN" altLang="en-US"/>
@@ -1522,7 +1641,8 @@
           <a:p>
             <a:fld id="{1C49BB65-7B3F-4D4E-A397-BBFD82890A5A}" type="datetimeFigureOut">
               <a:rPr kumimoji="1" lang="zh-CN" altLang="en-US" smtClean="0"/>
-              <a:t>2019/12/5</a:t>
+              <a:pPr/>
+              <a:t>2020/3/3</a:t>
             </a:fld>
             <a:endParaRPr kumimoji="1" lang="zh-CN" altLang="en-US"/>
           </a:p>
@@ -1576,6 +1696,7 @@
           <a:p>
             <a:fld id="{CE991BE3-A09C-B74C-8EDD-D19B1FF70090}" type="slidenum">
               <a:rPr kumimoji="1" lang="zh-CN" altLang="en-US" smtClean="0"/>
+              <a:pPr/>
               <a:t>‹#›</a:t>
             </a:fld>
             <a:endParaRPr kumimoji="1" lang="zh-CN" altLang="en-US"/>
@@ -1797,7 +1918,8 @@
           <a:p>
             <a:fld id="{1C49BB65-7B3F-4D4E-A397-BBFD82890A5A}" type="datetimeFigureOut">
               <a:rPr kumimoji="1" lang="zh-CN" altLang="en-US" smtClean="0"/>
-              <a:t>2019/12/5</a:t>
+              <a:pPr/>
+              <a:t>2020/3/3</a:t>
             </a:fld>
             <a:endParaRPr kumimoji="1" lang="zh-CN" altLang="en-US"/>
           </a:p>
@@ -1851,6 +1973,7 @@
           <a:p>
             <a:fld id="{CE991BE3-A09C-B74C-8EDD-D19B1FF70090}" type="slidenum">
               <a:rPr kumimoji="1" lang="zh-CN" altLang="en-US" smtClean="0"/>
+              <a:pPr/>
               <a:t>‹#›</a:t>
             </a:fld>
             <a:endParaRPr kumimoji="1" lang="zh-CN" altLang="en-US"/>
@@ -2062,7 +2185,8 @@
           <a:p>
             <a:fld id="{1C49BB65-7B3F-4D4E-A397-BBFD82890A5A}" type="datetimeFigureOut">
               <a:rPr kumimoji="1" lang="zh-CN" altLang="en-US" smtClean="0"/>
-              <a:t>2019/12/5</a:t>
+              <a:pPr/>
+              <a:t>2020/3/3</a:t>
             </a:fld>
             <a:endParaRPr kumimoji="1" lang="zh-CN" altLang="en-US"/>
           </a:p>
@@ -2116,6 +2240,7 @@
           <a:p>
             <a:fld id="{CE991BE3-A09C-B74C-8EDD-D19B1FF70090}" type="slidenum">
               <a:rPr kumimoji="1" lang="zh-CN" altLang="en-US" smtClean="0"/>
+              <a:pPr/>
               <a:t>‹#›</a:t>
             </a:fld>
             <a:endParaRPr kumimoji="1" lang="zh-CN" altLang="en-US"/>
@@ -2474,7 +2599,8 @@
           <a:p>
             <a:fld id="{1C49BB65-7B3F-4D4E-A397-BBFD82890A5A}" type="datetimeFigureOut">
               <a:rPr kumimoji="1" lang="zh-CN" altLang="en-US" smtClean="0"/>
-              <a:t>2019/12/5</a:t>
+              <a:pPr/>
+              <a:t>2020/3/3</a:t>
             </a:fld>
             <a:endParaRPr kumimoji="1" lang="zh-CN" altLang="en-US"/>
           </a:p>
@@ -2528,6 +2654,7 @@
           <a:p>
             <a:fld id="{CE991BE3-A09C-B74C-8EDD-D19B1FF70090}" type="slidenum">
               <a:rPr kumimoji="1" lang="zh-CN" altLang="en-US" smtClean="0"/>
+              <a:pPr/>
               <a:t>‹#›</a:t>
             </a:fld>
             <a:endParaRPr kumimoji="1" lang="zh-CN" altLang="en-US"/>
@@ -2615,7 +2742,8 @@
           <a:p>
             <a:fld id="{1C49BB65-7B3F-4D4E-A397-BBFD82890A5A}" type="datetimeFigureOut">
               <a:rPr kumimoji="1" lang="zh-CN" altLang="en-US" smtClean="0"/>
-              <a:t>2019/12/5</a:t>
+              <a:pPr/>
+              <a:t>2020/3/3</a:t>
             </a:fld>
             <a:endParaRPr kumimoji="1" lang="zh-CN" altLang="en-US"/>
           </a:p>
@@ -2669,6 +2797,7 @@
           <a:p>
             <a:fld id="{CE991BE3-A09C-B74C-8EDD-D19B1FF70090}" type="slidenum">
               <a:rPr kumimoji="1" lang="zh-CN" altLang="en-US" smtClean="0"/>
+              <a:pPr/>
               <a:t>‹#›</a:t>
             </a:fld>
             <a:endParaRPr kumimoji="1" lang="zh-CN" altLang="en-US"/>
@@ -2985,7 +3114,8 @@
           <a:p>
             <a:fld id="{1C49BB65-7B3F-4D4E-A397-BBFD82890A5A}" type="datetimeFigureOut">
               <a:rPr kumimoji="1" lang="zh-CN" altLang="en-US" smtClean="0"/>
-              <a:t>2019/12/5</a:t>
+              <a:pPr/>
+              <a:t>2020/3/3</a:t>
             </a:fld>
             <a:endParaRPr kumimoji="1" lang="zh-CN" altLang="en-US"/>
           </a:p>
@@ -3039,6 +3169,7 @@
           <a:p>
             <a:fld id="{CE991BE3-A09C-B74C-8EDD-D19B1FF70090}" type="slidenum">
               <a:rPr kumimoji="1" lang="zh-CN" altLang="en-US" smtClean="0"/>
+              <a:pPr/>
               <a:t>‹#›</a:t>
             </a:fld>
             <a:endParaRPr kumimoji="1" lang="zh-CN" altLang="en-US"/>
@@ -3273,7 +3404,8 @@
           <a:p>
             <a:fld id="{1C49BB65-7B3F-4D4E-A397-BBFD82890A5A}" type="datetimeFigureOut">
               <a:rPr kumimoji="1" lang="zh-CN" altLang="en-US" smtClean="0"/>
-              <a:t>2019/12/5</a:t>
+              <a:pPr/>
+              <a:t>2020/3/3</a:t>
             </a:fld>
             <a:endParaRPr kumimoji="1" lang="zh-CN" altLang="en-US"/>
           </a:p>
@@ -3327,6 +3459,7 @@
           <a:p>
             <a:fld id="{CE991BE3-A09C-B74C-8EDD-D19B1FF70090}" type="slidenum">
               <a:rPr kumimoji="1" lang="zh-CN" altLang="en-US" smtClean="0"/>
+              <a:pPr/>
               <a:t>‹#›</a:t>
             </a:fld>
             <a:endParaRPr kumimoji="1" lang="zh-CN" altLang="en-US"/>
@@ -3514,7 +3647,8 @@
           <a:p>
             <a:fld id="{1C49BB65-7B3F-4D4E-A397-BBFD82890A5A}" type="datetimeFigureOut">
               <a:rPr kumimoji="1" lang="zh-CN" altLang="en-US" smtClean="0"/>
-              <a:t>2019/12/5</a:t>
+              <a:pPr/>
+              <a:t>2020/3/3</a:t>
             </a:fld>
             <a:endParaRPr kumimoji="1" lang="zh-CN" altLang="en-US"/>
           </a:p>
@@ -3604,6 +3738,7 @@
           <a:p>
             <a:fld id="{CE991BE3-A09C-B74C-8EDD-D19B1FF70090}" type="slidenum">
               <a:rPr kumimoji="1" lang="zh-CN" altLang="en-US" smtClean="0"/>
+              <a:pPr/>
               <a:t>‹#›</a:t>
             </a:fld>
             <a:endParaRPr kumimoji="1" lang="zh-CN" altLang="en-US"/>
@@ -4074,7 +4209,7 @@
                 <a:latin typeface="Microsoft YaHei" panose="020B0503020204020204" pitchFamily="34" charset="-122"/>
                 <a:ea typeface="Microsoft YaHei" panose="020B0503020204020204" pitchFamily="34" charset="-122"/>
               </a:rPr>
-              <a:t>第四节课 队列</a:t>
+              <a:t>第五节课 队列</a:t>
             </a:r>
           </a:p>
         </p:txBody>
@@ -4093,6 +4228,705 @@
 </file>
 
 <file path=ppt/slides/slide10.xml><?xml version="1.0" encoding="utf-8"?>
+<p:sld xmlns:a="http://schemas.openxmlformats.org/drawingml/2006/main" xmlns:r="http://schemas.openxmlformats.org/officeDocument/2006/relationships" xmlns:p="http://schemas.openxmlformats.org/presentationml/2006/main">
+  <p:cSld>
+    <p:bg>
+      <p:bgPr>
+        <a:blipFill>
+          <a:blip r:embed="rId2"/>
+          <a:tile tx="0" ty="0" sx="100000" sy="100000" flip="none" algn="tl"/>
+        </a:blipFill>
+        <a:effectLst/>
+      </p:bgPr>
+    </p:bg>
+    <p:spTree>
+      <p:nvGrpSpPr>
+        <p:cNvPr id="1" name=""/>
+        <p:cNvGrpSpPr/>
+        <p:nvPr/>
+      </p:nvGrpSpPr>
+      <p:grpSpPr>
+        <a:xfrm>
+          <a:off x="0" y="0"/>
+          <a:ext cx="0" cy="0"/>
+          <a:chOff x="0" y="0"/>
+          <a:chExt cx="0" cy="0"/>
+        </a:xfrm>
+      </p:grpSpPr>
+      <p:sp>
+        <p:nvSpPr>
+          <p:cNvPr id="3" name="文本框 2">
+            <a:extLst>
+              <a:ext uri="{FF2B5EF4-FFF2-40B4-BE49-F238E27FC236}">
+                <a16:creationId xmlns:a16="http://schemas.microsoft.com/office/drawing/2014/main" id="{62BFC649-BF8E-2841-8EAF-47AFBF9D6671}"/>
+              </a:ext>
+            </a:extLst>
+          </p:cNvPr>
+          <p:cNvSpPr txBox="1"/>
+          <p:nvPr/>
+        </p:nvSpPr>
+        <p:spPr>
+          <a:xfrm>
+            <a:off x="2054352" y="630545"/>
+            <a:ext cx="8083296" cy="830997"/>
+          </a:xfrm>
+          <a:prstGeom prst="rect">
+            <a:avLst/>
+          </a:prstGeom>
+          <a:noFill/>
+        </p:spPr>
+        <p:txBody>
+          <a:bodyPr wrap="square" rtlCol="0">
+            <a:spAutoFit/>
+          </a:bodyPr>
+          <a:lstStyle/>
+          <a:p>
+            <a:pPr algn="ctr"/>
+            <a:r>
+              <a:rPr kumimoji="1" lang="en-US" altLang="zh-CN" sz="4800" dirty="0">
+                <a:latin typeface="Microsoft YaHei" panose="020B0503020204020204" pitchFamily="34" charset="-122"/>
+                <a:ea typeface="Microsoft YaHei" panose="020B0503020204020204" pitchFamily="34" charset="-122"/>
+              </a:rPr>
+              <a:t>3.</a:t>
+            </a:r>
+            <a:r>
+              <a:rPr kumimoji="1" lang="zh-CN" altLang="en-US" sz="4800" dirty="0">
+                <a:latin typeface="Microsoft YaHei" panose="020B0503020204020204" pitchFamily="34" charset="-122"/>
+                <a:ea typeface="Microsoft YaHei" panose="020B0503020204020204" pitchFamily="34" charset="-122"/>
+              </a:rPr>
+              <a:t>队列的顺序存储实现</a:t>
+            </a:r>
+          </a:p>
+        </p:txBody>
+      </p:sp>
+      <p:sp>
+        <p:nvSpPr>
+          <p:cNvPr id="8" name="文本框 7">
+            <a:extLst>
+              <a:ext uri="{FF2B5EF4-FFF2-40B4-BE49-F238E27FC236}">
+                <a16:creationId xmlns:a16="http://schemas.microsoft.com/office/drawing/2014/main" id="{75D7D6ED-43A8-DC4B-84B6-AB03F6270117}"/>
+              </a:ext>
+            </a:extLst>
+          </p:cNvPr>
+          <p:cNvSpPr txBox="1"/>
+          <p:nvPr/>
+        </p:nvSpPr>
+        <p:spPr>
+          <a:xfrm>
+            <a:off x="1610041" y="2576591"/>
+            <a:ext cx="9873121" cy="523220"/>
+          </a:xfrm>
+          <a:prstGeom prst="rect">
+            <a:avLst/>
+          </a:prstGeom>
+          <a:noFill/>
+        </p:spPr>
+        <p:txBody>
+          <a:bodyPr wrap="square" rtlCol="0">
+            <a:spAutoFit/>
+          </a:bodyPr>
+          <a:lstStyle/>
+          <a:p>
+            <a:r>
+              <a:rPr kumimoji="1" lang="zh-CN" altLang="en-US" sz="2800" dirty="0">
+                <a:latin typeface="微软雅黑" panose="020B0503020204020204" pitchFamily="34" charset="-122"/>
+                <a:ea typeface="Microsoft YaHei" panose="020B0503020204020204" pitchFamily="34" charset="-122"/>
+              </a:rPr>
+              <a:t>循环队列是顺序存储的基本结构</a:t>
+            </a:r>
+            <a:endParaRPr kumimoji="1" lang="en-US" altLang="zh-CN" sz="2800" dirty="0">
+              <a:latin typeface="微软雅黑" panose="020B0503020204020204" pitchFamily="34" charset="-122"/>
+              <a:ea typeface="Microsoft YaHei" panose="020B0503020204020204" pitchFamily="34" charset="-122"/>
+            </a:endParaRPr>
+          </a:p>
+        </p:txBody>
+      </p:sp>
+      <p:sp>
+        <p:nvSpPr>
+          <p:cNvPr id="4" name="TextBox 3"/>
+          <p:cNvSpPr txBox="1"/>
+          <p:nvPr/>
+        </p:nvSpPr>
+        <p:spPr>
+          <a:xfrm>
+            <a:off x="5500688" y="4972050"/>
+            <a:ext cx="1385887" cy="461665"/>
+          </a:xfrm>
+          <a:prstGeom prst="rect">
+            <a:avLst/>
+          </a:prstGeom>
+          <a:solidFill>
+            <a:schemeClr val="accent2"/>
+          </a:solidFill>
+        </p:spPr>
+        <p:txBody>
+          <a:bodyPr wrap="square" rtlCol="0">
+            <a:spAutoFit/>
+          </a:bodyPr>
+          <a:lstStyle/>
+          <a:p>
+            <a:r>
+              <a:rPr lang="zh-CN" altLang="en-US" sz="2400" dirty="0">
+                <a:solidFill>
+                  <a:schemeClr val="bg1"/>
+                </a:solidFill>
+              </a:rPr>
+              <a:t>上代码</a:t>
+            </a:r>
+          </a:p>
+        </p:txBody>
+      </p:sp>
+    </p:spTree>
+    <p:extLst>
+      <p:ext uri="{BB962C8B-B14F-4D97-AF65-F5344CB8AC3E}">
+        <p14:creationId xmlns:p14="http://schemas.microsoft.com/office/powerpoint/2010/main" val="2691737872"/>
+      </p:ext>
+    </p:extLst>
+  </p:cSld>
+  <p:clrMapOvr>
+    <a:masterClrMapping/>
+  </p:clrMapOvr>
+</p:sld>
+</file>
+
+<file path=ppt/slides/slide11.xml><?xml version="1.0" encoding="utf-8"?>
+<p:sld xmlns:a="http://schemas.openxmlformats.org/drawingml/2006/main" xmlns:r="http://schemas.openxmlformats.org/officeDocument/2006/relationships" xmlns:p="http://schemas.openxmlformats.org/presentationml/2006/main">
+  <p:cSld>
+    <p:bg>
+      <p:bgPr>
+        <a:blipFill>
+          <a:blip r:embed="rId2"/>
+          <a:tile tx="0" ty="0" sx="100000" sy="100000" flip="none" algn="tl"/>
+        </a:blipFill>
+        <a:effectLst/>
+      </p:bgPr>
+    </p:bg>
+    <p:spTree>
+      <p:nvGrpSpPr>
+        <p:cNvPr id="1" name=""/>
+        <p:cNvGrpSpPr/>
+        <p:nvPr/>
+      </p:nvGrpSpPr>
+      <p:grpSpPr>
+        <a:xfrm>
+          <a:off x="0" y="0"/>
+          <a:ext cx="0" cy="0"/>
+          <a:chOff x="0" y="0"/>
+          <a:chExt cx="0" cy="0"/>
+        </a:xfrm>
+      </p:grpSpPr>
+      <p:sp>
+        <p:nvSpPr>
+          <p:cNvPr id="3" name="文本框 2">
+            <a:extLst>
+              <a:ext uri="{FF2B5EF4-FFF2-40B4-BE49-F238E27FC236}">
+                <a16:creationId xmlns:a16="http://schemas.microsoft.com/office/drawing/2014/main" id="{62BFC649-BF8E-2841-8EAF-47AFBF9D6671}"/>
+              </a:ext>
+            </a:extLst>
+          </p:cNvPr>
+          <p:cNvSpPr txBox="1"/>
+          <p:nvPr/>
+        </p:nvSpPr>
+        <p:spPr>
+          <a:xfrm>
+            <a:off x="2054352" y="630545"/>
+            <a:ext cx="8083296" cy="830997"/>
+          </a:xfrm>
+          <a:prstGeom prst="rect">
+            <a:avLst/>
+          </a:prstGeom>
+          <a:noFill/>
+        </p:spPr>
+        <p:txBody>
+          <a:bodyPr wrap="square" rtlCol="0">
+            <a:spAutoFit/>
+          </a:bodyPr>
+          <a:lstStyle/>
+          <a:p>
+            <a:pPr algn="ctr"/>
+            <a:r>
+              <a:rPr kumimoji="1" lang="en-US" altLang="zh-CN" sz="4800" dirty="0">
+                <a:latin typeface="Microsoft YaHei" panose="020B0503020204020204" pitchFamily="34" charset="-122"/>
+                <a:ea typeface="Microsoft YaHei" panose="020B0503020204020204" pitchFamily="34" charset="-122"/>
+              </a:rPr>
+              <a:t>3.</a:t>
+            </a:r>
+            <a:r>
+              <a:rPr kumimoji="1" lang="zh-CN" altLang="en-US" sz="4800" dirty="0">
+                <a:latin typeface="Microsoft YaHei" panose="020B0503020204020204" pitchFamily="34" charset="-122"/>
+                <a:ea typeface="Microsoft YaHei" panose="020B0503020204020204" pitchFamily="34" charset="-122"/>
+              </a:rPr>
+              <a:t>队列的链式存储实现</a:t>
+            </a:r>
+          </a:p>
+        </p:txBody>
+      </p:sp>
+      <p:sp>
+        <p:nvSpPr>
+          <p:cNvPr id="8" name="文本框 7">
+            <a:extLst>
+              <a:ext uri="{FF2B5EF4-FFF2-40B4-BE49-F238E27FC236}">
+                <a16:creationId xmlns:a16="http://schemas.microsoft.com/office/drawing/2014/main" id="{75D7D6ED-43A8-DC4B-84B6-AB03F6270117}"/>
+              </a:ext>
+            </a:extLst>
+          </p:cNvPr>
+          <p:cNvSpPr txBox="1"/>
+          <p:nvPr/>
+        </p:nvSpPr>
+        <p:spPr>
+          <a:xfrm>
+            <a:off x="1610041" y="2576591"/>
+            <a:ext cx="9873121" cy="954107"/>
+          </a:xfrm>
+          <a:prstGeom prst="rect">
+            <a:avLst/>
+          </a:prstGeom>
+          <a:noFill/>
+        </p:spPr>
+        <p:txBody>
+          <a:bodyPr wrap="square" rtlCol="0">
+            <a:spAutoFit/>
+          </a:bodyPr>
+          <a:lstStyle/>
+          <a:p>
+            <a:r>
+              <a:rPr kumimoji="1" lang="zh-CN" altLang="en-US" sz="2800" dirty="0">
+                <a:latin typeface="微软雅黑" panose="020B0503020204020204" pitchFamily="34" charset="-122"/>
+                <a:ea typeface="Microsoft YaHei" panose="020B0503020204020204" pitchFamily="34" charset="-122"/>
+              </a:rPr>
+              <a:t>和栈类似，队列的链式存储实现就是用单链表作为基础结构进行操作。</a:t>
+            </a:r>
+          </a:p>
+        </p:txBody>
+      </p:sp>
+      <p:sp>
+        <p:nvSpPr>
+          <p:cNvPr id="5" name="TextBox 4"/>
+          <p:cNvSpPr txBox="1"/>
+          <p:nvPr/>
+        </p:nvSpPr>
+        <p:spPr>
+          <a:xfrm>
+            <a:off x="5500688" y="4972050"/>
+            <a:ext cx="1385887" cy="461665"/>
+          </a:xfrm>
+          <a:prstGeom prst="rect">
+            <a:avLst/>
+          </a:prstGeom>
+          <a:solidFill>
+            <a:schemeClr val="accent2"/>
+          </a:solidFill>
+        </p:spPr>
+        <p:txBody>
+          <a:bodyPr wrap="square" rtlCol="0">
+            <a:spAutoFit/>
+          </a:bodyPr>
+          <a:lstStyle/>
+          <a:p>
+            <a:r>
+              <a:rPr lang="zh-CN" altLang="en-US" sz="2400" dirty="0">
+                <a:solidFill>
+                  <a:schemeClr val="bg1"/>
+                </a:solidFill>
+              </a:rPr>
+              <a:t>上代码</a:t>
+            </a:r>
+          </a:p>
+        </p:txBody>
+      </p:sp>
+    </p:spTree>
+    <p:extLst>
+      <p:ext uri="{BB962C8B-B14F-4D97-AF65-F5344CB8AC3E}">
+        <p14:creationId xmlns:p14="http://schemas.microsoft.com/office/powerpoint/2010/main" val="2691737872"/>
+      </p:ext>
+    </p:extLst>
+  </p:cSld>
+  <p:clrMapOvr>
+    <a:masterClrMapping/>
+  </p:clrMapOvr>
+</p:sld>
+</file>
+
+<file path=ppt/slides/slide12.xml><?xml version="1.0" encoding="utf-8"?>
+<p:sld xmlns:a="http://schemas.openxmlformats.org/drawingml/2006/main" xmlns:r="http://schemas.openxmlformats.org/officeDocument/2006/relationships" xmlns:p="http://schemas.openxmlformats.org/presentationml/2006/main">
+  <p:cSld>
+    <p:bg>
+      <p:bgPr>
+        <a:blipFill>
+          <a:blip r:embed="rId2"/>
+          <a:tile tx="0" ty="0" sx="100000" sy="100000" flip="none" algn="tl"/>
+        </a:blipFill>
+        <a:effectLst/>
+      </p:bgPr>
+    </p:bg>
+    <p:spTree>
+      <p:nvGrpSpPr>
+        <p:cNvPr id="1" name=""/>
+        <p:cNvGrpSpPr/>
+        <p:nvPr/>
+      </p:nvGrpSpPr>
+      <p:grpSpPr>
+        <a:xfrm>
+          <a:off x="0" y="0"/>
+          <a:ext cx="0" cy="0"/>
+          <a:chOff x="0" y="0"/>
+          <a:chExt cx="0" cy="0"/>
+        </a:xfrm>
+      </p:grpSpPr>
+      <p:sp>
+        <p:nvSpPr>
+          <p:cNvPr id="3" name="文本框 2">
+            <a:extLst>
+              <a:ext uri="{FF2B5EF4-FFF2-40B4-BE49-F238E27FC236}">
+                <a16:creationId xmlns:a16="http://schemas.microsoft.com/office/drawing/2014/main" id="{62BFC649-BF8E-2841-8EAF-47AFBF9D6671}"/>
+              </a:ext>
+            </a:extLst>
+          </p:cNvPr>
+          <p:cNvSpPr txBox="1"/>
+          <p:nvPr/>
+        </p:nvSpPr>
+        <p:spPr>
+          <a:xfrm>
+            <a:off x="2054352" y="655874"/>
+            <a:ext cx="8083296" cy="830997"/>
+          </a:xfrm>
+          <a:prstGeom prst="rect">
+            <a:avLst/>
+          </a:prstGeom>
+          <a:noFill/>
+        </p:spPr>
+        <p:txBody>
+          <a:bodyPr wrap="square" rtlCol="0">
+            <a:spAutoFit/>
+          </a:bodyPr>
+          <a:lstStyle/>
+          <a:p>
+            <a:pPr algn="ctr"/>
+            <a:r>
+              <a:rPr kumimoji="1" lang="en-US" altLang="zh-CN" sz="4800" dirty="0">
+                <a:latin typeface="Microsoft YaHei" panose="020B0503020204020204" pitchFamily="34" charset="-122"/>
+                <a:ea typeface="Microsoft YaHei" panose="020B0503020204020204" pitchFamily="34" charset="-122"/>
+              </a:rPr>
+              <a:t>4.</a:t>
+            </a:r>
+            <a:r>
+              <a:rPr kumimoji="1" lang="zh-CN" altLang="en-US" sz="4800" dirty="0">
+                <a:latin typeface="Microsoft YaHei" panose="020B0503020204020204" pitchFamily="34" charset="-122"/>
+                <a:ea typeface="Microsoft YaHei" panose="020B0503020204020204" pitchFamily="34" charset="-122"/>
+              </a:rPr>
+              <a:t>队列的应用</a:t>
+            </a:r>
+          </a:p>
+        </p:txBody>
+      </p:sp>
+    </p:spTree>
+    <p:extLst>
+      <p:ext uri="{BB962C8B-B14F-4D97-AF65-F5344CB8AC3E}">
+        <p14:creationId xmlns:p14="http://schemas.microsoft.com/office/powerpoint/2010/main" val="1981531383"/>
+      </p:ext>
+    </p:extLst>
+  </p:cSld>
+  <p:clrMapOvr>
+    <a:masterClrMapping/>
+  </p:clrMapOvr>
+</p:sld>
+</file>
+
+<file path=ppt/slides/slide13.xml><?xml version="1.0" encoding="utf-8"?>
+<p:sld xmlns:a="http://schemas.openxmlformats.org/drawingml/2006/main" xmlns:r="http://schemas.openxmlformats.org/officeDocument/2006/relationships" xmlns:p="http://schemas.openxmlformats.org/presentationml/2006/main">
+  <p:cSld>
+    <p:bg>
+      <p:bgPr>
+        <a:blipFill>
+          <a:blip r:embed="rId2"/>
+          <a:tile tx="0" ty="0" sx="100000" sy="100000" flip="none" algn="tl"/>
+        </a:blipFill>
+        <a:effectLst/>
+      </p:bgPr>
+    </p:bg>
+    <p:spTree>
+      <p:nvGrpSpPr>
+        <p:cNvPr id="1" name=""/>
+        <p:cNvGrpSpPr/>
+        <p:nvPr/>
+      </p:nvGrpSpPr>
+      <p:grpSpPr>
+        <a:xfrm>
+          <a:off x="0" y="0"/>
+          <a:ext cx="0" cy="0"/>
+          <a:chOff x="0" y="0"/>
+          <a:chExt cx="0" cy="0"/>
+        </a:xfrm>
+      </p:grpSpPr>
+      <p:sp>
+        <p:nvSpPr>
+          <p:cNvPr id="3" name="文本框 2">
+            <a:extLst>
+              <a:ext uri="{FF2B5EF4-FFF2-40B4-BE49-F238E27FC236}">
+                <a16:creationId xmlns:a16="http://schemas.microsoft.com/office/drawing/2014/main" id="{62BFC649-BF8E-2841-8EAF-47AFBF9D6671}"/>
+              </a:ext>
+            </a:extLst>
+          </p:cNvPr>
+          <p:cNvSpPr txBox="1"/>
+          <p:nvPr/>
+        </p:nvSpPr>
+        <p:spPr>
+          <a:xfrm>
+            <a:off x="2054352" y="718220"/>
+            <a:ext cx="8083296" cy="830997"/>
+          </a:xfrm>
+          <a:prstGeom prst="rect">
+            <a:avLst/>
+          </a:prstGeom>
+          <a:noFill/>
+        </p:spPr>
+        <p:txBody>
+          <a:bodyPr wrap="square" rtlCol="0">
+            <a:spAutoFit/>
+          </a:bodyPr>
+          <a:lstStyle/>
+          <a:p>
+            <a:pPr algn="ctr"/>
+            <a:r>
+              <a:rPr kumimoji="1" lang="en-US" altLang="zh-CN" sz="4800" dirty="0">
+                <a:latin typeface="Microsoft YaHei" panose="020B0503020204020204" pitchFamily="34" charset="-122"/>
+                <a:ea typeface="Microsoft YaHei" panose="020B0503020204020204" pitchFamily="34" charset="-122"/>
+              </a:rPr>
+              <a:t>5.</a:t>
+            </a:r>
+            <a:r>
+              <a:rPr kumimoji="1" lang="zh-CN" altLang="en-US" sz="4800" dirty="0">
+                <a:latin typeface="Microsoft YaHei" panose="020B0503020204020204" pitchFamily="34" charset="-122"/>
+                <a:ea typeface="Microsoft YaHei" panose="020B0503020204020204" pitchFamily="34" charset="-122"/>
+              </a:rPr>
+              <a:t>循环队列</a:t>
+            </a:r>
+          </a:p>
+        </p:txBody>
+      </p:sp>
+    </p:spTree>
+    <p:extLst>
+      <p:ext uri="{BB962C8B-B14F-4D97-AF65-F5344CB8AC3E}">
+        <p14:creationId xmlns:p14="http://schemas.microsoft.com/office/powerpoint/2010/main" val="1742615019"/>
+      </p:ext>
+    </p:extLst>
+  </p:cSld>
+  <p:clrMapOvr>
+    <a:masterClrMapping/>
+  </p:clrMapOvr>
+</p:sld>
+</file>
+
+<file path=ppt/slides/slide14.xml><?xml version="1.0" encoding="utf-8"?>
+<p:sld xmlns:a="http://schemas.openxmlformats.org/drawingml/2006/main" xmlns:r="http://schemas.openxmlformats.org/officeDocument/2006/relationships" xmlns:p="http://schemas.openxmlformats.org/presentationml/2006/main">
+  <p:cSld>
+    <p:bg>
+      <p:bgPr>
+        <a:blipFill>
+          <a:blip r:embed="rId3"/>
+          <a:tile tx="0" ty="0" sx="100000" sy="100000" flip="none" algn="tl"/>
+        </a:blipFill>
+        <a:effectLst/>
+      </p:bgPr>
+    </p:bg>
+    <p:spTree>
+      <p:nvGrpSpPr>
+        <p:cNvPr id="1" name=""/>
+        <p:cNvGrpSpPr/>
+        <p:nvPr/>
+      </p:nvGrpSpPr>
+      <p:grpSpPr>
+        <a:xfrm>
+          <a:off x="0" y="0"/>
+          <a:ext cx="0" cy="0"/>
+          <a:chOff x="0" y="0"/>
+          <a:chExt cx="0" cy="0"/>
+        </a:xfrm>
+      </p:grpSpPr>
+      <p:sp>
+        <p:nvSpPr>
+          <p:cNvPr id="2" name="文本框 1">
+            <a:extLst>
+              <a:ext uri="{FF2B5EF4-FFF2-40B4-BE49-F238E27FC236}">
+                <a16:creationId xmlns:a16="http://schemas.microsoft.com/office/drawing/2014/main" id="{12AA8BCC-7B15-4842-80C2-48C079429338}"/>
+              </a:ext>
+            </a:extLst>
+          </p:cNvPr>
+          <p:cNvSpPr txBox="1"/>
+          <p:nvPr/>
+        </p:nvSpPr>
+        <p:spPr>
+          <a:xfrm>
+            <a:off x="2228088" y="2921168"/>
+            <a:ext cx="7735824" cy="1015663"/>
+          </a:xfrm>
+          <a:prstGeom prst="rect">
+            <a:avLst/>
+          </a:prstGeom>
+          <a:noFill/>
+        </p:spPr>
+        <p:txBody>
+          <a:bodyPr wrap="square" rtlCol="0">
+            <a:spAutoFit/>
+          </a:bodyPr>
+          <a:lstStyle/>
+          <a:p>
+            <a:pPr algn="ctr"/>
+            <a:r>
+              <a:rPr kumimoji="1" lang="zh-CN" altLang="en-US" sz="6000" dirty="0">
+                <a:latin typeface="Microsoft YaHei" panose="020B0503020204020204" pitchFamily="34" charset="-122"/>
+                <a:ea typeface="Microsoft YaHei" panose="020B0503020204020204" pitchFamily="34" charset="-122"/>
+              </a:rPr>
+              <a:t>这堂课我们学了撒？</a:t>
+            </a:r>
+          </a:p>
+        </p:txBody>
+      </p:sp>
+    </p:spTree>
+    <p:extLst>
+      <p:ext uri="{BB962C8B-B14F-4D97-AF65-F5344CB8AC3E}">
+        <p14:creationId xmlns:p14="http://schemas.microsoft.com/office/powerpoint/2010/main" val="3338372476"/>
+      </p:ext>
+    </p:extLst>
+  </p:cSld>
+  <p:clrMapOvr>
+    <a:masterClrMapping/>
+  </p:clrMapOvr>
+</p:sld>
+</file>
+
+<file path=ppt/slides/slide15.xml><?xml version="1.0" encoding="utf-8"?>
+<p:sld xmlns:a="http://schemas.openxmlformats.org/drawingml/2006/main" xmlns:r="http://schemas.openxmlformats.org/officeDocument/2006/relationships" xmlns:p="http://schemas.openxmlformats.org/presentationml/2006/main">
+  <p:cSld>
+    <p:bg>
+      <p:bgPr>
+        <a:blipFill>
+          <a:blip r:embed="rId3"/>
+          <a:tile tx="0" ty="0" sx="100000" sy="100000" flip="none" algn="tl"/>
+        </a:blipFill>
+        <a:effectLst/>
+      </p:bgPr>
+    </p:bg>
+    <p:spTree>
+      <p:nvGrpSpPr>
+        <p:cNvPr id="1" name=""/>
+        <p:cNvGrpSpPr/>
+        <p:nvPr/>
+      </p:nvGrpSpPr>
+      <p:grpSpPr>
+        <a:xfrm>
+          <a:off x="0" y="0"/>
+          <a:ext cx="0" cy="0"/>
+          <a:chOff x="0" y="0"/>
+          <a:chExt cx="0" cy="0"/>
+        </a:xfrm>
+      </p:grpSpPr>
+      <p:sp>
+        <p:nvSpPr>
+          <p:cNvPr id="3" name="文本框 2">
+            <a:extLst>
+              <a:ext uri="{FF2B5EF4-FFF2-40B4-BE49-F238E27FC236}">
+                <a16:creationId xmlns:a16="http://schemas.microsoft.com/office/drawing/2014/main" id="{62BFC649-BF8E-2841-8EAF-47AFBF9D6671}"/>
+              </a:ext>
+            </a:extLst>
+          </p:cNvPr>
+          <p:cNvSpPr txBox="1"/>
+          <p:nvPr/>
+        </p:nvSpPr>
+        <p:spPr>
+          <a:xfrm>
+            <a:off x="914400" y="581161"/>
+            <a:ext cx="10363200" cy="830997"/>
+          </a:xfrm>
+          <a:prstGeom prst="rect">
+            <a:avLst/>
+          </a:prstGeom>
+          <a:noFill/>
+        </p:spPr>
+        <p:txBody>
+          <a:bodyPr wrap="square" rtlCol="0">
+            <a:spAutoFit/>
+          </a:bodyPr>
+          <a:lstStyle/>
+          <a:p>
+            <a:pPr algn="ctr"/>
+            <a:r>
+              <a:rPr kumimoji="1" lang="zh-CN" altLang="en-US" sz="4800" dirty="0">
+                <a:latin typeface="Microsoft YaHei" panose="020B0503020204020204" pitchFamily="34" charset="-122"/>
+                <a:ea typeface="Microsoft YaHei" panose="020B0503020204020204" pitchFamily="34" charset="-122"/>
+              </a:rPr>
+              <a:t>总结</a:t>
+            </a:r>
+            <a:endParaRPr kumimoji="1" lang="en-US" altLang="zh-CN" sz="4800" dirty="0">
+              <a:latin typeface="Microsoft YaHei" panose="020B0503020204020204" pitchFamily="34" charset="-122"/>
+              <a:ea typeface="Microsoft YaHei" panose="020B0503020204020204" pitchFamily="34" charset="-122"/>
+            </a:endParaRPr>
+          </a:p>
+        </p:txBody>
+      </p:sp>
+      <p:sp>
+        <p:nvSpPr>
+          <p:cNvPr id="5" name="文本框 4">
+            <a:extLst>
+              <a:ext uri="{FF2B5EF4-FFF2-40B4-BE49-F238E27FC236}">
+                <a16:creationId xmlns:a16="http://schemas.microsoft.com/office/drawing/2014/main" id="{70A8FD9E-655D-F742-ACDB-18BF84BE05B3}"/>
+              </a:ext>
+            </a:extLst>
+          </p:cNvPr>
+          <p:cNvSpPr txBox="1"/>
+          <p:nvPr/>
+        </p:nvSpPr>
+        <p:spPr>
+          <a:xfrm>
+            <a:off x="765810" y="2785730"/>
+            <a:ext cx="9037409" cy="523220"/>
+          </a:xfrm>
+          <a:prstGeom prst="rect">
+            <a:avLst/>
+          </a:prstGeom>
+          <a:noFill/>
+        </p:spPr>
+        <p:txBody>
+          <a:bodyPr wrap="square" rtlCol="0">
+            <a:spAutoFit/>
+          </a:bodyPr>
+          <a:lstStyle/>
+          <a:p>
+            <a:r>
+              <a:rPr kumimoji="1" lang="zh-CN" altLang="en-US" sz="2800" dirty="0">
+                <a:latin typeface="Microsoft YaHei" panose="020B0503020204020204" pitchFamily="34" charset="-122"/>
+                <a:ea typeface="Microsoft YaHei" panose="020B0503020204020204" pitchFamily="34" charset="-122"/>
+              </a:rPr>
+              <a:t>重点： 两种存储方式 以及它们对应的</a:t>
+            </a:r>
+            <a:r>
+              <a:rPr kumimoji="1" lang="en-US" altLang="zh-CN" sz="2800" dirty="0">
+                <a:latin typeface="Microsoft YaHei" panose="020B0503020204020204" pitchFamily="34" charset="-122"/>
+                <a:ea typeface="Microsoft YaHei" panose="020B0503020204020204" pitchFamily="34" charset="-122"/>
+              </a:rPr>
+              <a:t>crud</a:t>
+            </a:r>
+            <a:endParaRPr kumimoji="1" lang="zh-CN" altLang="en-US" sz="2800" dirty="0">
+              <a:latin typeface="Microsoft YaHei" panose="020B0503020204020204" pitchFamily="34" charset="-122"/>
+              <a:ea typeface="Microsoft YaHei" panose="020B0503020204020204" pitchFamily="34" charset="-122"/>
+            </a:endParaRPr>
+          </a:p>
+        </p:txBody>
+      </p:sp>
+    </p:spTree>
+    <p:extLst>
+      <p:ext uri="{BB962C8B-B14F-4D97-AF65-F5344CB8AC3E}">
+        <p14:creationId xmlns:p14="http://schemas.microsoft.com/office/powerpoint/2010/main" val="4062917305"/>
+      </p:ext>
+    </p:extLst>
+  </p:cSld>
+  <p:clrMapOvr>
+    <a:masterClrMapping/>
+  </p:clrMapOvr>
+</p:sld>
+</file>
+
+<file path=ppt/slides/slide16.xml><?xml version="1.0" encoding="utf-8"?>
 <p:sld xmlns:a="http://schemas.openxmlformats.org/drawingml/2006/main" xmlns:r="http://schemas.openxmlformats.org/officeDocument/2006/relationships" xmlns:p="http://schemas.openxmlformats.org/presentationml/2006/main">
   <p:cSld>
     <p:bg>
@@ -4216,7 +5050,7 @@
         <p:spPr>
           <a:xfrm>
             <a:off x="2118840" y="1550997"/>
-            <a:ext cx="8538144" cy="5695058"/>
+            <a:ext cx="8538144" cy="6341389"/>
           </a:xfrm>
           <a:prstGeom prst="rect">
             <a:avLst/>
@@ -4262,6 +5096,60 @@
                 <a:ea typeface="Microsoft YaHei" panose="020B0503020204020204" pitchFamily="34" charset="-122"/>
               </a:rPr>
               <a:t>队列的抽象数据类型</a:t>
+            </a:r>
+            <a:endParaRPr kumimoji="1" lang="en-US" altLang="zh-CN" sz="2800" dirty="0">
+              <a:latin typeface="Microsoft YaHei" panose="020B0503020204020204" pitchFamily="34" charset="-122"/>
+              <a:ea typeface="Microsoft YaHei" panose="020B0503020204020204" pitchFamily="34" charset="-122"/>
+            </a:endParaRPr>
+          </a:p>
+          <a:p>
+            <a:pPr marL="571500" indent="-571500">
+              <a:lnSpc>
+                <a:spcPct val="150000"/>
+              </a:lnSpc>
+              <a:buFont typeface="Wingdings" pitchFamily="2" charset="2"/>
+              <a:buChar char="Ø"/>
+            </a:pPr>
+            <a:r>
+              <a:rPr kumimoji="1" lang="zh-CN" altLang="en-US" sz="2800" dirty="0">
+                <a:latin typeface="Microsoft YaHei" panose="020B0503020204020204" pitchFamily="34" charset="-122"/>
+                <a:ea typeface="Microsoft YaHei" panose="020B0503020204020204" pitchFamily="34" charset="-122"/>
+              </a:rPr>
+              <a:t>实现队列</a:t>
+            </a:r>
+            <a:r>
+              <a:rPr kumimoji="1" lang="en-US" altLang="zh-CN" sz="2800" dirty="0">
+                <a:latin typeface="Microsoft YaHei" panose="020B0503020204020204" pitchFamily="34" charset="-122"/>
+                <a:ea typeface="Microsoft YaHei" panose="020B0503020204020204" pitchFamily="34" charset="-122"/>
+              </a:rPr>
+              <a:t>---</a:t>
+            </a:r>
+            <a:r>
+              <a:rPr kumimoji="1" lang="zh-CN" altLang="en-US" sz="2800" dirty="0">
+                <a:latin typeface="Microsoft YaHei" panose="020B0503020204020204" pitchFamily="34" charset="-122"/>
+                <a:ea typeface="Microsoft YaHei" panose="020B0503020204020204" pitchFamily="34" charset="-122"/>
+              </a:rPr>
+              <a:t>顺序存储</a:t>
+            </a:r>
+            <a:endParaRPr kumimoji="1" lang="en-US" altLang="zh-CN" sz="2800" dirty="0">
+              <a:latin typeface="Microsoft YaHei" panose="020B0503020204020204" pitchFamily="34" charset="-122"/>
+              <a:ea typeface="Microsoft YaHei" panose="020B0503020204020204" pitchFamily="34" charset="-122"/>
+            </a:endParaRPr>
+          </a:p>
+          <a:p>
+            <a:pPr marL="571500" indent="-571500">
+              <a:lnSpc>
+                <a:spcPct val="150000"/>
+              </a:lnSpc>
+              <a:buFont typeface="Wingdings" pitchFamily="2" charset="2"/>
+              <a:buChar char="Ø"/>
+            </a:pPr>
+            <a:r>
+              <a:rPr kumimoji="1" lang="zh-CN" altLang="en-US" sz="2800" dirty="0">
+                <a:latin typeface="Microsoft YaHei" panose="020B0503020204020204" pitchFamily="34" charset="-122"/>
+                <a:ea typeface="Microsoft YaHei" panose="020B0503020204020204" pitchFamily="34" charset="-122"/>
+              </a:rPr>
+              <a:t>循环队列</a:t>
             </a:r>
             <a:endParaRPr kumimoji="1" lang="en-US" altLang="zh-CN" sz="2800" dirty="0">
               <a:latin typeface="Microsoft YaHei" panose="020B0503020204020204" pitchFamily="34" charset="-122"/>
@@ -4284,7 +5172,7 @@
                 <a:latin typeface="Microsoft YaHei" panose="020B0503020204020204" pitchFamily="34" charset="-122"/>
                 <a:ea typeface="Microsoft YaHei" panose="020B0503020204020204" pitchFamily="34" charset="-122"/>
               </a:rPr>
-              <a:t>怎么实现队列</a:t>
+              <a:t>实现队列</a:t>
             </a:r>
             <a:r>
               <a:rPr kumimoji="1" lang="en-US" altLang="zh-CN" sz="2800" dirty="0">
@@ -4329,26 +5217,6 @@
                 <a:ea typeface="Microsoft YaHei" panose="020B0503020204020204" pitchFamily="34" charset="-122"/>
               </a:rPr>
               <a:t>顾名思义的应用，比如线性池</a:t>
-            </a:r>
-            <a:endParaRPr kumimoji="1" lang="en-US" altLang="zh-CN" sz="2800" dirty="0">
-              <a:latin typeface="Microsoft YaHei" panose="020B0503020204020204" pitchFamily="34" charset="-122"/>
-              <a:ea typeface="Microsoft YaHei" panose="020B0503020204020204" pitchFamily="34" charset="-122"/>
-            </a:endParaRPr>
-          </a:p>
-          <a:p>
-            <a:pPr marL="571500" indent="-571500">
-              <a:lnSpc>
-                <a:spcPct val="150000"/>
-              </a:lnSpc>
-              <a:buFont typeface="Wingdings" pitchFamily="2" charset="2"/>
-              <a:buChar char="Ø"/>
-            </a:pPr>
-            <a:r>
-              <a:rPr kumimoji="1" lang="zh-CN" altLang="en-US" sz="2800" dirty="0">
-                <a:latin typeface="Microsoft YaHei" panose="020B0503020204020204" pitchFamily="34" charset="-122"/>
-                <a:ea typeface="Microsoft YaHei" panose="020B0503020204020204" pitchFamily="34" charset="-122"/>
-              </a:rPr>
-              <a:t>循环队列</a:t>
             </a:r>
             <a:endParaRPr kumimoji="1" lang="en-US" altLang="zh-CN" sz="2800" dirty="0">
               <a:latin typeface="Microsoft YaHei" panose="020B0503020204020204" pitchFamily="34" charset="-122"/>
@@ -4475,8 +5343,8 @@
         </p:nvSpPr>
         <p:spPr>
           <a:xfrm>
-            <a:off x="1610042" y="2601758"/>
-            <a:ext cx="6609588" cy="523220"/>
+            <a:off x="1610042" y="2676979"/>
+            <a:ext cx="9840740" cy="954107"/>
           </a:xfrm>
           <a:prstGeom prst="rect">
             <a:avLst/>
@@ -4494,7 +5362,63 @@
                 <a:latin typeface="微软雅黑" panose="020B0503020204020204" pitchFamily="34" charset="-122"/>
                 <a:ea typeface="Microsoft YaHei" panose="020B0503020204020204" pitchFamily="34" charset="-122"/>
               </a:rPr>
-              <a:t>零个或者多个元素的有限序列</a:t>
+              <a:t>只允许在一端</a:t>
+            </a:r>
+            <a:r>
+              <a:rPr kumimoji="1" lang="en-US" altLang="zh-CN" sz="2800" dirty="0">
+                <a:latin typeface="微软雅黑" panose="020B0503020204020204" pitchFamily="34" charset="-122"/>
+                <a:ea typeface="Microsoft YaHei" panose="020B0503020204020204" pitchFamily="34" charset="-122"/>
+              </a:rPr>
+              <a:t>(</a:t>
+            </a:r>
+            <a:r>
+              <a:rPr kumimoji="1" lang="zh-CN" altLang="en-US" sz="2800" dirty="0">
+                <a:latin typeface="微软雅黑" panose="020B0503020204020204" pitchFamily="34" charset="-122"/>
+                <a:ea typeface="Microsoft YaHei" panose="020B0503020204020204" pitchFamily="34" charset="-122"/>
+              </a:rPr>
+              <a:t>对列尾</a:t>
+            </a:r>
+            <a:r>
+              <a:rPr kumimoji="1" lang="en-US" altLang="zh-CN" sz="2800" dirty="0">
+                <a:latin typeface="微软雅黑" panose="020B0503020204020204" pitchFamily="34" charset="-122"/>
+                <a:ea typeface="Microsoft YaHei" panose="020B0503020204020204" pitchFamily="34" charset="-122"/>
+              </a:rPr>
+              <a:t>)</a:t>
+            </a:r>
+            <a:r>
+              <a:rPr kumimoji="1" lang="zh-CN" altLang="en-US" sz="2800" dirty="0">
+                <a:latin typeface="微软雅黑" panose="020B0503020204020204" pitchFamily="34" charset="-122"/>
+                <a:ea typeface="Microsoft YaHei" panose="020B0503020204020204" pitchFamily="34" charset="-122"/>
+              </a:rPr>
+              <a:t>进行插入操作，再另一端</a:t>
+            </a:r>
+            <a:r>
+              <a:rPr kumimoji="1" lang="en-US" altLang="zh-CN" sz="2800" dirty="0">
+                <a:latin typeface="微软雅黑" panose="020B0503020204020204" pitchFamily="34" charset="-122"/>
+                <a:ea typeface="Microsoft YaHei" panose="020B0503020204020204" pitchFamily="34" charset="-122"/>
+              </a:rPr>
+              <a:t>(</a:t>
+            </a:r>
+            <a:r>
+              <a:rPr kumimoji="1" lang="zh-CN" altLang="en-US" sz="2800" dirty="0">
+                <a:latin typeface="微软雅黑" panose="020B0503020204020204" pitchFamily="34" charset="-122"/>
+                <a:ea typeface="Microsoft YaHei" panose="020B0503020204020204" pitchFamily="34" charset="-122"/>
+              </a:rPr>
+              <a:t>队列头</a:t>
+            </a:r>
+            <a:r>
+              <a:rPr kumimoji="1" lang="en-US" altLang="zh-CN" sz="2800" dirty="0">
+                <a:latin typeface="微软雅黑" panose="020B0503020204020204" pitchFamily="34" charset="-122"/>
+                <a:ea typeface="Microsoft YaHei" panose="020B0503020204020204" pitchFamily="34" charset="-122"/>
+              </a:rPr>
+              <a:t>)</a:t>
+            </a:r>
+            <a:r>
+              <a:rPr kumimoji="1" lang="zh-CN" altLang="en-US" sz="2800" dirty="0">
+                <a:latin typeface="微软雅黑" panose="020B0503020204020204" pitchFamily="34" charset="-122"/>
+                <a:ea typeface="Microsoft YaHei" panose="020B0503020204020204" pitchFamily="34" charset="-122"/>
+              </a:rPr>
+              <a:t>进行删除操作的线性表</a:t>
             </a:r>
           </a:p>
         </p:txBody>
@@ -4544,10 +5468,10 @@
       </p:sp>
       <p:sp>
         <p:nvSpPr>
-          <p:cNvPr id="7" name="文本框 6">
-            <a:extLst>
-              <a:ext uri="{FF2B5EF4-FFF2-40B4-BE49-F238E27FC236}">
-                <a16:creationId xmlns:a16="http://schemas.microsoft.com/office/drawing/2014/main" id="{E3DBEB63-A536-3344-AA3A-239CDFC4361D}"/>
+          <p:cNvPr id="9" name="文本框 8">
+            <a:extLst>
+              <a:ext uri="{FF2B5EF4-FFF2-40B4-BE49-F238E27FC236}">
+                <a16:creationId xmlns:a16="http://schemas.microsoft.com/office/drawing/2014/main" id="{EA0C047A-A5B2-374F-BD04-7B639430470F}"/>
               </a:ext>
             </a:extLst>
           </p:cNvPr>
@@ -4556,51 +5480,8 @@
         </p:nvSpPr>
         <p:spPr>
           <a:xfrm>
-            <a:off x="540000" y="3960000"/>
-            <a:ext cx="1070042" cy="542675"/>
-          </a:xfrm>
-          <a:prstGeom prst="rect">
-            <a:avLst/>
-          </a:prstGeom>
-          <a:solidFill>
-            <a:schemeClr val="accent2"/>
-          </a:solidFill>
-        </p:spPr>
-        <p:txBody>
-          <a:bodyPr wrap="square" rtlCol="0">
-            <a:spAutoFit/>
-          </a:bodyPr>
-          <a:lstStyle/>
-          <a:p>
-            <a:r>
-              <a:rPr kumimoji="1" lang="zh-CN" altLang="en-US" sz="2800" dirty="0">
-                <a:solidFill>
-                  <a:schemeClr val="bg1"/>
-                </a:solidFill>
-                <a:latin typeface="Microsoft YaHei" panose="020B0503020204020204" pitchFamily="34" charset="-122"/>
-                <a:ea typeface="Microsoft YaHei" panose="020B0503020204020204" pitchFamily="34" charset="-122"/>
-              </a:rPr>
-              <a:t>例子</a:t>
-            </a:r>
-          </a:p>
-        </p:txBody>
-      </p:sp>
-      <p:sp>
-        <p:nvSpPr>
-          <p:cNvPr id="9" name="文本框 8">
-            <a:extLst>
-              <a:ext uri="{FF2B5EF4-FFF2-40B4-BE49-F238E27FC236}">
-                <a16:creationId xmlns:a16="http://schemas.microsoft.com/office/drawing/2014/main" id="{EA0C047A-A5B2-374F-BD04-7B639430470F}"/>
-              </a:ext>
-            </a:extLst>
-          </p:cNvPr>
-          <p:cNvSpPr txBox="1"/>
-          <p:nvPr/>
-        </p:nvSpPr>
-        <p:spPr>
-          <a:xfrm>
-            <a:off x="1610042" y="5337697"/>
-            <a:ext cx="6609588" cy="523220"/>
+            <a:off x="2458544" y="5981567"/>
+            <a:ext cx="7720994" cy="523220"/>
           </a:xfrm>
           <a:prstGeom prst="rect">
             <a:avLst/>
@@ -4618,11 +5499,66 @@
                 <a:latin typeface="微软雅黑" panose="020B0503020204020204" pitchFamily="34" charset="-122"/>
                 <a:ea typeface="Microsoft YaHei" panose="020B0503020204020204" pitchFamily="34" charset="-122"/>
               </a:rPr>
-              <a:t>排队</a:t>
-            </a:r>
-          </a:p>
-        </p:txBody>
-      </p:sp>
+              <a:t>工厂的流水线</a:t>
+            </a:r>
+            <a:r>
+              <a:rPr kumimoji="1" lang="en-US" altLang="zh-CN" sz="2800" dirty="0">
+                <a:latin typeface="微软雅黑" panose="020B0503020204020204" pitchFamily="34" charset="-122"/>
+                <a:ea typeface="Microsoft YaHei" panose="020B0503020204020204" pitchFamily="34" charset="-122"/>
+              </a:rPr>
+              <a:t>(</a:t>
+            </a:r>
+            <a:r>
+              <a:rPr kumimoji="1" lang="zh-CN" altLang="en-US" sz="2800" dirty="0">
+                <a:latin typeface="微软雅黑" panose="020B0503020204020204" pitchFamily="34" charset="-122"/>
+                <a:ea typeface="Microsoft YaHei" panose="020B0503020204020204" pitchFamily="34" charset="-122"/>
+              </a:rPr>
+              <a:t>从一头开始，到另一头完成</a:t>
+            </a:r>
+            <a:r>
+              <a:rPr kumimoji="1" lang="en-US" altLang="zh-CN" sz="2800" dirty="0">
+                <a:latin typeface="微软雅黑" panose="020B0503020204020204" pitchFamily="34" charset="-122"/>
+                <a:ea typeface="Microsoft YaHei" panose="020B0503020204020204" pitchFamily="34" charset="-122"/>
+              </a:rPr>
+              <a:t>)</a:t>
+            </a:r>
+            <a:endParaRPr kumimoji="1" lang="zh-CN" altLang="en-US" sz="2800" dirty="0">
+              <a:latin typeface="微软雅黑" panose="020B0503020204020204" pitchFamily="34" charset="-122"/>
+              <a:ea typeface="Microsoft YaHei" panose="020B0503020204020204" pitchFamily="34" charset="-122"/>
+            </a:endParaRPr>
+          </a:p>
+        </p:txBody>
+      </p:sp>
+      <p:pic>
+        <p:nvPicPr>
+          <p:cNvPr id="4" name="图片 3">
+            <a:extLst>
+              <a:ext uri="{FF2B5EF4-FFF2-40B4-BE49-F238E27FC236}">
+                <a16:creationId xmlns:a16="http://schemas.microsoft.com/office/drawing/2014/main" id="{3EF8055A-7477-DE44-B0D6-F0233A8E5271}"/>
+              </a:ext>
+            </a:extLst>
+          </p:cNvPr>
+          <p:cNvPicPr>
+            <a:picLocks noChangeAspect="1"/>
+          </p:cNvPicPr>
+          <p:nvPr/>
+        </p:nvPicPr>
+        <p:blipFill>
+          <a:blip r:embed="rId3"/>
+          <a:stretch>
+            <a:fillRect/>
+          </a:stretch>
+        </p:blipFill>
+        <p:spPr>
+          <a:xfrm>
+            <a:off x="2883691" y="3965390"/>
+            <a:ext cx="6870700" cy="1422400"/>
+          </a:xfrm>
+          <a:prstGeom prst="rect">
+            <a:avLst/>
+          </a:prstGeom>
+        </p:spPr>
+      </p:pic>
     </p:spTree>
     <p:extLst>
       <p:ext uri="{BB962C8B-B14F-4D97-AF65-F5344CB8AC3E}">
@@ -4703,195 +5639,41 @@
                 <a:latin typeface="Microsoft YaHei" panose="020B0503020204020204" pitchFamily="34" charset="-122"/>
                 <a:ea typeface="Microsoft YaHei" panose="020B0503020204020204" pitchFamily="34" charset="-122"/>
               </a:rPr>
-              <a:t>线性表抽象数据类型</a:t>
-            </a:r>
-          </a:p>
-        </p:txBody>
-      </p:sp>
-      <p:sp>
-        <p:nvSpPr>
-          <p:cNvPr id="8" name="文本框 7">
-            <a:extLst>
-              <a:ext uri="{FF2B5EF4-FFF2-40B4-BE49-F238E27FC236}">
-                <a16:creationId xmlns:a16="http://schemas.microsoft.com/office/drawing/2014/main" id="{75D7D6ED-43A8-DC4B-84B6-AB03F6270117}"/>
-              </a:ext>
-            </a:extLst>
-          </p:cNvPr>
-          <p:cNvSpPr txBox="1"/>
+              <a:t>队列的抽象数据类型</a:t>
+            </a:r>
+          </a:p>
+        </p:txBody>
+      </p:sp>
+      <p:pic>
+        <p:nvPicPr>
+          <p:cNvPr id="2" name="图片 1">
+            <a:extLst>
+              <a:ext uri="{FF2B5EF4-FFF2-40B4-BE49-F238E27FC236}">
+                <a16:creationId xmlns:a16="http://schemas.microsoft.com/office/drawing/2014/main" id="{D2496A39-80D8-C449-8301-C1864E75498D}"/>
+              </a:ext>
+            </a:extLst>
+          </p:cNvPr>
+          <p:cNvPicPr>
+            <a:picLocks noChangeAspect="1"/>
+          </p:cNvPicPr>
           <p:nvPr/>
-        </p:nvSpPr>
+        </p:nvPicPr>
+        <p:blipFill>
+          <a:blip r:embed="rId3"/>
+          <a:stretch>
+            <a:fillRect/>
+          </a:stretch>
+        </p:blipFill>
         <p:spPr>
           <a:xfrm>
-            <a:off x="1610042" y="2575710"/>
-            <a:ext cx="6609588" cy="954107"/>
+            <a:off x="2284269" y="1932708"/>
+            <a:ext cx="8082438" cy="4149273"/>
           </a:xfrm>
           <a:prstGeom prst="rect">
             <a:avLst/>
           </a:prstGeom>
-          <a:noFill/>
         </p:spPr>
-        <p:txBody>
-          <a:bodyPr wrap="square" rtlCol="0">
-            <a:spAutoFit/>
-          </a:bodyPr>
-          <a:lstStyle/>
-          <a:p>
-            <a:r>
-              <a:rPr kumimoji="1" lang="zh-CN" altLang="en-US" sz="2800" dirty="0">
-                <a:latin typeface="Microsoft YaHei" panose="020B0503020204020204" pitchFamily="34" charset="-122"/>
-                <a:ea typeface="Microsoft YaHei" panose="020B0503020204020204" pitchFamily="34" charset="-122"/>
-              </a:rPr>
-              <a:t>用一段地址连续的存储单元依次存储线性表的数据元素</a:t>
-            </a:r>
-            <a:endParaRPr kumimoji="1" lang="zh-CN" altLang="en-US" sz="2800" dirty="0">
-              <a:latin typeface="微软雅黑" panose="020B0503020204020204" pitchFamily="34" charset="-122"/>
-              <a:ea typeface="Microsoft YaHei" panose="020B0503020204020204" pitchFamily="34" charset="-122"/>
-            </a:endParaRPr>
-          </a:p>
-        </p:txBody>
-      </p:sp>
-      <p:sp>
-        <p:nvSpPr>
-          <p:cNvPr id="9" name="文本框 8">
-            <a:extLst>
-              <a:ext uri="{FF2B5EF4-FFF2-40B4-BE49-F238E27FC236}">
-                <a16:creationId xmlns:a16="http://schemas.microsoft.com/office/drawing/2014/main" id="{ED9B93DC-5880-9D4B-AD03-2A9ADCF8E4D4}"/>
-              </a:ext>
-            </a:extLst>
-          </p:cNvPr>
-          <p:cNvSpPr txBox="1"/>
-          <p:nvPr/>
-        </p:nvSpPr>
-        <p:spPr>
-          <a:xfrm>
-            <a:off x="540000" y="1800000"/>
-            <a:ext cx="1070042" cy="542675"/>
-          </a:xfrm>
-          <a:prstGeom prst="rect">
-            <a:avLst/>
-          </a:prstGeom>
-          <a:solidFill>
-            <a:schemeClr val="accent2"/>
-          </a:solidFill>
-        </p:spPr>
-        <p:txBody>
-          <a:bodyPr wrap="square" rtlCol="0">
-            <a:spAutoFit/>
-          </a:bodyPr>
-          <a:lstStyle/>
-          <a:p>
-            <a:r>
-              <a:rPr kumimoji="1" lang="zh-CN" altLang="en-US" sz="2800" dirty="0">
-                <a:solidFill>
-                  <a:schemeClr val="bg1"/>
-                </a:solidFill>
-                <a:latin typeface="Microsoft YaHei" panose="020B0503020204020204" pitchFamily="34" charset="-122"/>
-                <a:ea typeface="Microsoft YaHei" panose="020B0503020204020204" pitchFamily="34" charset="-122"/>
-              </a:rPr>
-              <a:t>定义</a:t>
-            </a:r>
-          </a:p>
-        </p:txBody>
-      </p:sp>
-      <p:sp>
-        <p:nvSpPr>
-          <p:cNvPr id="10" name="文本框 9">
-            <a:extLst>
-              <a:ext uri="{FF2B5EF4-FFF2-40B4-BE49-F238E27FC236}">
-                <a16:creationId xmlns:a16="http://schemas.microsoft.com/office/drawing/2014/main" id="{5732DAF2-E38B-774A-9902-B765D16F0ED3}"/>
-              </a:ext>
-            </a:extLst>
-          </p:cNvPr>
-          <p:cNvSpPr txBox="1"/>
-          <p:nvPr/>
-        </p:nvSpPr>
-        <p:spPr>
-          <a:xfrm>
-            <a:off x="540000" y="3960000"/>
-            <a:ext cx="1070042" cy="542675"/>
-          </a:xfrm>
-          <a:prstGeom prst="rect">
-            <a:avLst/>
-          </a:prstGeom>
-          <a:solidFill>
-            <a:schemeClr val="accent2"/>
-          </a:solidFill>
-        </p:spPr>
-        <p:txBody>
-          <a:bodyPr wrap="square" rtlCol="0">
-            <a:spAutoFit/>
-          </a:bodyPr>
-          <a:lstStyle/>
-          <a:p>
-            <a:r>
-              <a:rPr kumimoji="1" lang="zh-CN" altLang="en-US" sz="2800" dirty="0">
-                <a:solidFill>
-                  <a:schemeClr val="bg1"/>
-                </a:solidFill>
-                <a:latin typeface="Microsoft YaHei" panose="020B0503020204020204" pitchFamily="34" charset="-122"/>
-                <a:ea typeface="Microsoft YaHei" panose="020B0503020204020204" pitchFamily="34" charset="-122"/>
-              </a:rPr>
-              <a:t>例子</a:t>
-            </a:r>
-          </a:p>
-        </p:txBody>
-      </p:sp>
-      <p:sp>
-        <p:nvSpPr>
-          <p:cNvPr id="11" name="文本框 10">
-            <a:extLst>
-              <a:ext uri="{FF2B5EF4-FFF2-40B4-BE49-F238E27FC236}">
-                <a16:creationId xmlns:a16="http://schemas.microsoft.com/office/drawing/2014/main" id="{EEAB9724-EED2-8C47-965D-0BB8BCC390D8}"/>
-              </a:ext>
-            </a:extLst>
-          </p:cNvPr>
-          <p:cNvSpPr txBox="1"/>
-          <p:nvPr/>
-        </p:nvSpPr>
-        <p:spPr>
-          <a:xfrm>
-            <a:off x="1610042" y="4932858"/>
-            <a:ext cx="6609588" cy="523220"/>
-          </a:xfrm>
-          <a:prstGeom prst="rect">
-            <a:avLst/>
-          </a:prstGeom>
-          <a:noFill/>
-        </p:spPr>
-        <p:txBody>
-          <a:bodyPr wrap="square" rtlCol="0">
-            <a:spAutoFit/>
-          </a:bodyPr>
-          <a:lstStyle/>
-          <a:p>
-            <a:r>
-              <a:rPr kumimoji="1" lang="zh-CN" altLang="en-US" sz="2800" dirty="0">
-                <a:latin typeface="Microsoft YaHei" panose="020B0503020204020204" pitchFamily="34" charset="-122"/>
-                <a:ea typeface="Microsoft YaHei" panose="020B0503020204020204" pitchFamily="34" charset="-122"/>
-              </a:rPr>
-              <a:t>宿舍</a:t>
-            </a:r>
-            <a:r>
-              <a:rPr kumimoji="1" lang="en-US" altLang="zh-CN" sz="2800" dirty="0">
-                <a:latin typeface="Microsoft YaHei" panose="020B0503020204020204" pitchFamily="34" charset="-122"/>
-                <a:ea typeface="Microsoft YaHei" panose="020B0503020204020204" pitchFamily="34" charset="-122"/>
-              </a:rPr>
-              <a:t>/</a:t>
-            </a:r>
-            <a:r>
-              <a:rPr kumimoji="1" lang="zh-CN" altLang="en-US" sz="2800" dirty="0">
-                <a:latin typeface="Microsoft YaHei" panose="020B0503020204020204" pitchFamily="34" charset="-122"/>
-                <a:ea typeface="Microsoft YaHei" panose="020B0503020204020204" pitchFamily="34" charset="-122"/>
-              </a:rPr>
-              <a:t>教室 分布</a:t>
-            </a:r>
-            <a:endParaRPr kumimoji="1" lang="zh-CN" altLang="en-US" sz="2800" dirty="0">
-              <a:latin typeface="微软雅黑" panose="020B0503020204020204" pitchFamily="34" charset="-122"/>
-              <a:ea typeface="Microsoft YaHei" panose="020B0503020204020204" pitchFamily="34" charset="-122"/>
-            </a:endParaRPr>
-          </a:p>
-        </p:txBody>
-      </p:sp>
+      </p:pic>
     </p:spTree>
     <p:extLst>
       <p:ext uri="{BB962C8B-B14F-4D97-AF65-F5344CB8AC3E}">
@@ -4945,8 +5727,8 @@
         </p:nvSpPr>
         <p:spPr>
           <a:xfrm>
-            <a:off x="2054352" y="630545"/>
-            <a:ext cx="8083296" cy="830997"/>
+            <a:off x="2054352" y="528379"/>
+            <a:ext cx="8812122" cy="830997"/>
           </a:xfrm>
           <a:prstGeom prst="rect">
             <a:avLst/>
@@ -4972,55 +5754,91 @@
                 <a:latin typeface="Microsoft YaHei" panose="020B0503020204020204" pitchFamily="34" charset="-122"/>
                 <a:ea typeface="Microsoft YaHei" panose="020B0503020204020204" pitchFamily="34" charset="-122"/>
               </a:rPr>
-              <a:t>队列的链式存储实现</a:t>
-            </a:r>
-          </a:p>
-        </p:txBody>
-      </p:sp>
-      <p:sp>
-        <p:nvSpPr>
-          <p:cNvPr id="8" name="文本框 7">
-            <a:extLst>
-              <a:ext uri="{FF2B5EF4-FFF2-40B4-BE49-F238E27FC236}">
-                <a16:creationId xmlns:a16="http://schemas.microsoft.com/office/drawing/2014/main" id="{75D7D6ED-43A8-DC4B-84B6-AB03F6270117}"/>
-              </a:ext>
-            </a:extLst>
-          </p:cNvPr>
-          <p:cNvSpPr txBox="1"/>
+              <a:t> 顺序存储实现</a:t>
+            </a:r>
+            <a:r>
+              <a:rPr kumimoji="1" lang="en-US" altLang="zh-CN" sz="4800" dirty="0">
+                <a:latin typeface="Microsoft YaHei" panose="020B0503020204020204" pitchFamily="34" charset="-122"/>
+                <a:ea typeface="Microsoft YaHei" panose="020B0503020204020204" pitchFamily="34" charset="-122"/>
+              </a:rPr>
+              <a:t>1—</a:t>
+            </a:r>
+            <a:r>
+              <a:rPr kumimoji="1" lang="zh-CN" altLang="en-US" sz="4800" dirty="0">
+                <a:latin typeface="Microsoft YaHei" panose="020B0503020204020204" pitchFamily="34" charset="-122"/>
+                <a:ea typeface="Microsoft YaHei" panose="020B0503020204020204" pitchFamily="34" charset="-122"/>
+              </a:rPr>
+              <a:t>队列头不变</a:t>
+            </a:r>
+          </a:p>
+        </p:txBody>
+      </p:sp>
+      <p:pic>
+        <p:nvPicPr>
+          <p:cNvPr id="2" name="图片 1">
+            <a:extLst>
+              <a:ext uri="{FF2B5EF4-FFF2-40B4-BE49-F238E27FC236}">
+                <a16:creationId xmlns:a16="http://schemas.microsoft.com/office/drawing/2014/main" id="{D838D33E-06C0-F04E-819A-55520E5E79B1}"/>
+              </a:ext>
+            </a:extLst>
+          </p:cNvPr>
+          <p:cNvPicPr>
+            <a:picLocks noChangeAspect="1"/>
+          </p:cNvPicPr>
           <p:nvPr/>
-        </p:nvSpPr>
+        </p:nvPicPr>
+        <p:blipFill>
+          <a:blip r:embed="rId3"/>
+          <a:stretch>
+            <a:fillRect/>
+          </a:stretch>
+        </p:blipFill>
         <p:spPr>
           <a:xfrm>
-            <a:off x="1610041" y="2576591"/>
-            <a:ext cx="9873121" cy="954107"/>
+            <a:off x="927303" y="2228800"/>
+            <a:ext cx="8428789" cy="1671826"/>
           </a:xfrm>
           <a:prstGeom prst="rect">
             <a:avLst/>
           </a:prstGeom>
-          <a:noFill/>
         </p:spPr>
-        <p:txBody>
-          <a:bodyPr wrap="square" rtlCol="0">
-            <a:spAutoFit/>
-          </a:bodyPr>
-          <a:lstStyle/>
-          <a:p>
-            <a:r>
-              <a:rPr kumimoji="1" lang="zh-CN" altLang="en-US" sz="2800" dirty="0">
-                <a:latin typeface="微软雅黑" panose="020B0503020204020204" pitchFamily="34" charset="-122"/>
-                <a:ea typeface="Microsoft YaHei" panose="020B0503020204020204" pitchFamily="34" charset="-122"/>
-              </a:rPr>
-              <a:t>每个数据单元不止有数据，还包含指向下一个数据地址的信息，由此数据单元串联起来的方式叫链式存储</a:t>
-            </a:r>
-          </a:p>
-        </p:txBody>
-      </p:sp>
-      <p:sp>
-        <p:nvSpPr>
-          <p:cNvPr id="9" name="文本框 8">
-            <a:extLst>
-              <a:ext uri="{FF2B5EF4-FFF2-40B4-BE49-F238E27FC236}">
-                <a16:creationId xmlns:a16="http://schemas.microsoft.com/office/drawing/2014/main" id="{ED9B93DC-5880-9D4B-AD03-2A9ADCF8E4D4}"/>
+      </p:pic>
+      <p:pic>
+        <p:nvPicPr>
+          <p:cNvPr id="5" name="图片 4">
+            <a:extLst>
+              <a:ext uri="{FF2B5EF4-FFF2-40B4-BE49-F238E27FC236}">
+                <a16:creationId xmlns:a16="http://schemas.microsoft.com/office/drawing/2014/main" id="{C44B86BE-2E11-1D40-B710-A6BE81068E6D}"/>
+              </a:ext>
+            </a:extLst>
+          </p:cNvPr>
+          <p:cNvPicPr>
+            <a:picLocks noChangeAspect="1"/>
+          </p:cNvPicPr>
+          <p:nvPr/>
+        </p:nvPicPr>
+        <p:blipFill>
+          <a:blip r:embed="rId4"/>
+          <a:stretch>
+            <a:fillRect/>
+          </a:stretch>
+        </p:blipFill>
+        <p:spPr>
+          <a:xfrm>
+            <a:off x="927303" y="4463603"/>
+            <a:ext cx="8428789" cy="1763852"/>
+          </a:xfrm>
+          <a:prstGeom prst="rect">
+            <a:avLst/>
+          </a:prstGeom>
+        </p:spPr>
+      </p:pic>
+      <p:sp>
+        <p:nvSpPr>
+          <p:cNvPr id="6" name="文本框 5">
+            <a:extLst>
+              <a:ext uri="{FF2B5EF4-FFF2-40B4-BE49-F238E27FC236}">
+                <a16:creationId xmlns:a16="http://schemas.microsoft.com/office/drawing/2014/main" id="{87DBD311-16C0-C446-A60D-B69D5C4B1C5D}"/>
               </a:ext>
             </a:extLst>
           </p:cNvPr>
@@ -5029,8 +5847,8 @@
         </p:nvSpPr>
         <p:spPr>
           <a:xfrm>
-            <a:off x="540000" y="1800000"/>
-            <a:ext cx="1070042" cy="542675"/>
+            <a:off x="9835115" y="3900626"/>
+            <a:ext cx="2062717" cy="2308324"/>
           </a:xfrm>
           <a:prstGeom prst="rect">
             <a:avLst/>
@@ -5046,58 +5864,80 @@
           <a:lstStyle/>
           <a:p>
             <a:r>
-              <a:rPr kumimoji="1" lang="zh-CN" altLang="en-US" sz="2800" dirty="0">
+              <a:rPr lang="zh-CN" altLang="en-US" sz="2400" dirty="0">
                 <a:solidFill>
                   <a:schemeClr val="bg1"/>
                 </a:solidFill>
                 <a:latin typeface="Microsoft YaHei" panose="020B0503020204020204" pitchFamily="34" charset="-122"/>
                 <a:ea typeface="Microsoft YaHei" panose="020B0503020204020204" pitchFamily="34" charset="-122"/>
               </a:rPr>
-              <a:t>定义</a:t>
-            </a:r>
-          </a:p>
-        </p:txBody>
-      </p:sp>
-      <p:sp>
-        <p:nvSpPr>
-          <p:cNvPr id="10" name="文本框 9">
-            <a:extLst>
-              <a:ext uri="{FF2B5EF4-FFF2-40B4-BE49-F238E27FC236}">
-                <a16:creationId xmlns:a16="http://schemas.microsoft.com/office/drawing/2014/main" id="{5732DAF2-E38B-774A-9902-B765D16F0ED3}"/>
-              </a:ext>
-            </a:extLst>
-          </p:cNvPr>
-          <p:cNvSpPr txBox="1"/>
-          <p:nvPr/>
-        </p:nvSpPr>
-        <p:spPr>
-          <a:xfrm>
-            <a:off x="540000" y="3960000"/>
-            <a:ext cx="1070042" cy="542675"/>
-          </a:xfrm>
-          <a:prstGeom prst="rect">
-            <a:avLst/>
-          </a:prstGeom>
-          <a:solidFill>
-            <a:schemeClr val="accent2"/>
-          </a:solidFill>
-        </p:spPr>
-        <p:txBody>
-          <a:bodyPr wrap="square" rtlCol="0">
-            <a:spAutoFit/>
-          </a:bodyPr>
-          <a:lstStyle/>
-          <a:p>
-            <a:r>
-              <a:rPr kumimoji="1" lang="zh-CN" altLang="en-US" sz="2800" dirty="0">
+              <a:t>为了维护队列头</a:t>
+            </a:r>
+            <a:r>
+              <a:rPr lang="en-US" altLang="zh-CN" sz="2400" dirty="0">
                 <a:solidFill>
                   <a:schemeClr val="bg1"/>
                 </a:solidFill>
                 <a:latin typeface="Microsoft YaHei" panose="020B0503020204020204" pitchFamily="34" charset="-122"/>
                 <a:ea typeface="Microsoft YaHei" panose="020B0503020204020204" pitchFamily="34" charset="-122"/>
               </a:rPr>
-              <a:t>例子</a:t>
-            </a:r>
+              <a:t>0</a:t>
+            </a:r>
+            <a:r>
+              <a:rPr lang="zh-CN" altLang="en-US" sz="2400" dirty="0">
+                <a:solidFill>
+                  <a:schemeClr val="bg1"/>
+                </a:solidFill>
+                <a:latin typeface="Microsoft YaHei" panose="020B0503020204020204" pitchFamily="34" charset="-122"/>
+                <a:ea typeface="Microsoft YaHei" panose="020B0503020204020204" pitchFamily="34" charset="-122"/>
+              </a:rPr>
+              <a:t>的位置，都要对数组里的元素进行移动，时间复杂度为</a:t>
+            </a:r>
+            <a:r>
+              <a:rPr lang="en-US" altLang="zh-CN" sz="2400" dirty="0">
+                <a:solidFill>
+                  <a:schemeClr val="bg1"/>
+                </a:solidFill>
+                <a:latin typeface="Microsoft YaHei" panose="020B0503020204020204" pitchFamily="34" charset="-122"/>
+                <a:ea typeface="Microsoft YaHei" panose="020B0503020204020204" pitchFamily="34" charset="-122"/>
+              </a:rPr>
+              <a:t>O</a:t>
+            </a:r>
+            <a:r>
+              <a:rPr lang="zh-CN" altLang="en-US" sz="2400" dirty="0">
+                <a:solidFill>
+                  <a:schemeClr val="bg1"/>
+                </a:solidFill>
+                <a:latin typeface="Microsoft YaHei" panose="020B0503020204020204" pitchFamily="34" charset="-122"/>
+                <a:ea typeface="Microsoft YaHei" panose="020B0503020204020204" pitchFamily="34" charset="-122"/>
+              </a:rPr>
+              <a:t>（</a:t>
+            </a:r>
+            <a:r>
+              <a:rPr lang="en-US" altLang="zh-CN" sz="2400" dirty="0">
+                <a:solidFill>
+                  <a:schemeClr val="bg1"/>
+                </a:solidFill>
+                <a:latin typeface="Microsoft YaHei" panose="020B0503020204020204" pitchFamily="34" charset="-122"/>
+                <a:ea typeface="Microsoft YaHei" panose="020B0503020204020204" pitchFamily="34" charset="-122"/>
+              </a:rPr>
+              <a:t>N).</a:t>
+            </a:r>
+            <a:r>
+              <a:rPr lang="zh-CN" altLang="en-US" sz="2400" dirty="0">
+                <a:solidFill>
+                  <a:schemeClr val="bg1"/>
+                </a:solidFill>
+                <a:latin typeface="Microsoft YaHei" panose="020B0503020204020204" pitchFamily="34" charset="-122"/>
+                <a:ea typeface="Microsoft YaHei" panose="020B0503020204020204" pitchFamily="34" charset="-122"/>
+              </a:rPr>
+              <a:t> </a:t>
+            </a:r>
+            <a:endParaRPr kumimoji="1" lang="zh-CN" altLang="en-US" sz="2400" dirty="0">
+              <a:solidFill>
+                <a:schemeClr val="bg1"/>
+              </a:solidFill>
+            </a:endParaRPr>
           </a:p>
         </p:txBody>
       </p:sp>
@@ -5154,8 +5994,8 @@
         </p:nvSpPr>
         <p:spPr>
           <a:xfrm>
-            <a:off x="2054352" y="655874"/>
-            <a:ext cx="8083296" cy="830997"/>
+            <a:off x="357188" y="630545"/>
+            <a:ext cx="11834812" cy="830997"/>
           </a:xfrm>
           <a:prstGeom prst="rect">
             <a:avLst/>
@@ -5174,22 +6014,163 @@
                 <a:latin typeface="Microsoft YaHei" panose="020B0503020204020204" pitchFamily="34" charset="-122"/>
                 <a:ea typeface="Microsoft YaHei" panose="020B0503020204020204" pitchFamily="34" charset="-122"/>
               </a:rPr>
-              <a:t>4.</a:t>
+              <a:t>3.</a:t>
             </a:r>
             <a:r>
               <a:rPr kumimoji="1" lang="zh-CN" altLang="en-US" sz="4800" dirty="0">
                 <a:latin typeface="Microsoft YaHei" panose="020B0503020204020204" pitchFamily="34" charset="-122"/>
                 <a:ea typeface="Microsoft YaHei" panose="020B0503020204020204" pitchFamily="34" charset="-122"/>
               </a:rPr>
-              <a:t>队列的应用</a:t>
-            </a:r>
-          </a:p>
-        </p:txBody>
-      </p:sp>
+              <a:t> 顺序存储实现</a:t>
+            </a:r>
+            <a:r>
+              <a:rPr kumimoji="1" lang="en-US" altLang="zh-CN" sz="4800" dirty="0">
+                <a:latin typeface="Microsoft YaHei" panose="020B0503020204020204" pitchFamily="34" charset="-122"/>
+                <a:ea typeface="Microsoft YaHei" panose="020B0503020204020204" pitchFamily="34" charset="-122"/>
+              </a:rPr>
+              <a:t>2—</a:t>
+            </a:r>
+            <a:r>
+              <a:rPr kumimoji="1" lang="zh-CN" altLang="en-US" sz="4800" dirty="0">
+                <a:latin typeface="Microsoft YaHei" panose="020B0503020204020204" pitchFamily="34" charset="-122"/>
+                <a:ea typeface="Microsoft YaHei" panose="020B0503020204020204" pitchFamily="34" charset="-122"/>
+              </a:rPr>
+              <a:t>队列头移动</a:t>
+            </a:r>
+          </a:p>
+        </p:txBody>
+      </p:sp>
+      <p:sp>
+        <p:nvSpPr>
+          <p:cNvPr id="4" name="TextBox 3"/>
+          <p:cNvSpPr txBox="1"/>
+          <p:nvPr/>
+        </p:nvSpPr>
+        <p:spPr>
+          <a:xfrm>
+            <a:off x="1182831" y="5857581"/>
+            <a:ext cx="9472097" cy="954107"/>
+          </a:xfrm>
+          <a:prstGeom prst="rect">
+            <a:avLst/>
+          </a:prstGeom>
+          <a:solidFill>
+            <a:schemeClr val="accent2"/>
+          </a:solidFill>
+        </p:spPr>
+        <p:txBody>
+          <a:bodyPr wrap="square" rtlCol="0">
+            <a:spAutoFit/>
+          </a:bodyPr>
+          <a:lstStyle/>
+          <a:p>
+            <a:r>
+              <a:rPr lang="zh-CN" altLang="en-US" sz="2800" dirty="0">
+                <a:solidFill>
+                  <a:schemeClr val="bg1"/>
+                </a:solidFill>
+                <a:latin typeface="Microsoft YaHei" panose="020B0503020204020204" pitchFamily="34" charset="-122"/>
+                <a:ea typeface="Microsoft YaHei" panose="020B0503020204020204" pitchFamily="34" charset="-122"/>
+              </a:rPr>
+              <a:t>如果队列头也是是动态变化的，那么容易队列头浪费空间，后头空间不够。旱的旱死，捞的捞死。</a:t>
+            </a:r>
+          </a:p>
+        </p:txBody>
+      </p:sp>
+      <p:pic>
+        <p:nvPicPr>
+          <p:cNvPr id="7" name="图片 6">
+            <a:extLst>
+              <a:ext uri="{FF2B5EF4-FFF2-40B4-BE49-F238E27FC236}">
+                <a16:creationId xmlns:a16="http://schemas.microsoft.com/office/drawing/2014/main" id="{857555F5-9AC5-CB44-BE52-73544E1CAA21}"/>
+              </a:ext>
+            </a:extLst>
+          </p:cNvPr>
+          <p:cNvPicPr>
+            <a:picLocks noChangeAspect="1"/>
+          </p:cNvPicPr>
+          <p:nvPr/>
+        </p:nvPicPr>
+        <p:blipFill>
+          <a:blip r:embed="rId3"/>
+          <a:stretch>
+            <a:fillRect/>
+          </a:stretch>
+        </p:blipFill>
+        <p:spPr>
+          <a:xfrm>
+            <a:off x="1182831" y="1743399"/>
+            <a:ext cx="9472097" cy="1728128"/>
+          </a:xfrm>
+          <a:prstGeom prst="rect">
+            <a:avLst/>
+          </a:prstGeom>
+        </p:spPr>
+      </p:pic>
+      <p:pic>
+        <p:nvPicPr>
+          <p:cNvPr id="8" name="图片 7">
+            <a:extLst>
+              <a:ext uri="{FF2B5EF4-FFF2-40B4-BE49-F238E27FC236}">
+                <a16:creationId xmlns:a16="http://schemas.microsoft.com/office/drawing/2014/main" id="{2FD85C55-3E9B-4246-ACE4-B9323A5D28A6}"/>
+              </a:ext>
+            </a:extLst>
+          </p:cNvPr>
+          <p:cNvPicPr>
+            <a:picLocks noChangeAspect="1"/>
+          </p:cNvPicPr>
+          <p:nvPr/>
+        </p:nvPicPr>
+        <p:blipFill>
+          <a:blip r:embed="rId4"/>
+          <a:stretch>
+            <a:fillRect/>
+          </a:stretch>
+        </p:blipFill>
+        <p:spPr>
+          <a:xfrm>
+            <a:off x="1130944" y="3932656"/>
+            <a:ext cx="4589373" cy="1744301"/>
+          </a:xfrm>
+          <a:prstGeom prst="rect">
+            <a:avLst/>
+          </a:prstGeom>
+        </p:spPr>
+      </p:pic>
+      <p:pic>
+        <p:nvPicPr>
+          <p:cNvPr id="10" name="图片 9">
+            <a:extLst>
+              <a:ext uri="{FF2B5EF4-FFF2-40B4-BE49-F238E27FC236}">
+                <a16:creationId xmlns:a16="http://schemas.microsoft.com/office/drawing/2014/main" id="{11E99080-5D4B-AE43-A5E9-17A18AB06702}"/>
+              </a:ext>
+            </a:extLst>
+          </p:cNvPr>
+          <p:cNvPicPr>
+            <a:picLocks noChangeAspect="1"/>
+          </p:cNvPicPr>
+          <p:nvPr/>
+        </p:nvPicPr>
+        <p:blipFill>
+          <a:blip r:embed="rId5"/>
+          <a:stretch>
+            <a:fillRect/>
+          </a:stretch>
+        </p:blipFill>
+        <p:spPr>
+          <a:xfrm>
+            <a:off x="5873821" y="3932656"/>
+            <a:ext cx="4781107" cy="1692690"/>
+          </a:xfrm>
+          <a:prstGeom prst="rect">
+            <a:avLst/>
+          </a:prstGeom>
+        </p:spPr>
+      </p:pic>
     </p:spTree>
     <p:extLst>
       <p:ext uri="{BB962C8B-B14F-4D97-AF65-F5344CB8AC3E}">
-        <p14:creationId xmlns:p14="http://schemas.microsoft.com/office/powerpoint/2010/main" val="1981531383"/>
+        <p14:creationId xmlns:p14="http://schemas.microsoft.com/office/powerpoint/2010/main" val="1022283620"/>
       </p:ext>
     </p:extLst>
   </p:cSld>
@@ -5239,8 +6220,8 @@
         </p:nvSpPr>
         <p:spPr>
           <a:xfrm>
-            <a:off x="2054352" y="718220"/>
-            <a:ext cx="8083296" cy="830997"/>
+            <a:off x="357188" y="630545"/>
+            <a:ext cx="11834812" cy="830997"/>
           </a:xfrm>
           <a:prstGeom prst="rect">
             <a:avLst/>
@@ -5255,28 +6236,57 @@
           <a:p>
             <a:pPr algn="ctr"/>
             <a:r>
-              <a:rPr kumimoji="1" lang="en-US" altLang="zh-CN" sz="4800" dirty="0">
-                <a:latin typeface="Microsoft YaHei" panose="020B0503020204020204" pitchFamily="34" charset="-122"/>
-                <a:ea typeface="Microsoft YaHei" panose="020B0503020204020204" pitchFamily="34" charset="-122"/>
-              </a:rPr>
-              <a:t>5.</a:t>
-            </a:r>
-            <a:r>
               <a:rPr kumimoji="1" lang="zh-CN" altLang="en-US" sz="4800" dirty="0">
                 <a:latin typeface="Microsoft YaHei" panose="020B0503020204020204" pitchFamily="34" charset="-122"/>
                 <a:ea typeface="Microsoft YaHei" panose="020B0503020204020204" pitchFamily="34" charset="-122"/>
               </a:rPr>
-              <a:t>循环队列</a:t>
-            </a:r>
-          </a:p>
-        </p:txBody>
-      </p:sp>
-      <p:sp>
-        <p:nvSpPr>
-          <p:cNvPr id="2" name="文本框 1">
-            <a:extLst>
-              <a:ext uri="{FF2B5EF4-FFF2-40B4-BE49-F238E27FC236}">
-                <a16:creationId xmlns:a16="http://schemas.microsoft.com/office/drawing/2014/main" id="{2348A353-F74A-F749-85B3-0743B6EAB0EF}"/>
+              <a:t>普通数组用于队列中都存在问题</a:t>
+            </a:r>
+          </a:p>
+        </p:txBody>
+      </p:sp>
+      <p:pic>
+        <p:nvPicPr>
+          <p:cNvPr id="5" name="图形 4" descr="有想法的人">
+            <a:extLst>
+              <a:ext uri="{FF2B5EF4-FFF2-40B4-BE49-F238E27FC236}">
+                <a16:creationId xmlns:a16="http://schemas.microsoft.com/office/drawing/2014/main" id="{E82F1199-8AA9-7A4C-AC7E-C0D4ADF2FD5C}"/>
+              </a:ext>
+            </a:extLst>
+          </p:cNvPr>
+          <p:cNvPicPr>
+            <a:picLocks noChangeAspect="1"/>
+          </p:cNvPicPr>
+          <p:nvPr/>
+        </p:nvPicPr>
+        <p:blipFill>
+          <a:blip r:embed="rId3">
+            <a:extLst>
+              <a:ext uri="{96DAC541-7B7A-43D3-8B79-37D633B846F1}">
+                <asvg:svgBlip xmlns:asvg="http://schemas.microsoft.com/office/drawing/2016/SVG/main" r:embed="rId4"/>
+              </a:ext>
+            </a:extLst>
+          </a:blip>
+          <a:stretch>
+            <a:fillRect/>
+          </a:stretch>
+        </p:blipFill>
+        <p:spPr>
+          <a:xfrm>
+            <a:off x="1734657" y="2548471"/>
+            <a:ext cx="1655135" cy="1655135"/>
+          </a:xfrm>
+          <a:prstGeom prst="rect">
+            <a:avLst/>
+          </a:prstGeom>
+        </p:spPr>
+      </p:pic>
+      <p:sp>
+        <p:nvSpPr>
+          <p:cNvPr id="6" name="文本框 5">
+            <a:extLst>
+              <a:ext uri="{FF2B5EF4-FFF2-40B4-BE49-F238E27FC236}">
+                <a16:creationId xmlns:a16="http://schemas.microsoft.com/office/drawing/2014/main" id="{C81EC009-5DB5-C641-91E3-4C899EAEEF33}"/>
               </a:ext>
             </a:extLst>
           </p:cNvPr>
@@ -5285,8 +6295,8 @@
         </p:nvSpPr>
         <p:spPr>
           <a:xfrm>
-            <a:off x="2466753" y="2445488"/>
-            <a:ext cx="6039294" cy="523220"/>
+            <a:off x="3785190" y="3364807"/>
+            <a:ext cx="6361815" cy="954107"/>
           </a:xfrm>
           <a:prstGeom prst="rect">
             <a:avLst/>
@@ -5300,8 +6310,39 @@
           <a:lstStyle/>
           <a:p>
             <a:r>
-              <a:rPr kumimoji="1" lang="zh-CN" altLang="en-US" sz="2800" dirty="0"/>
-              <a:t>基于单链表的基础，增加循环的功能</a:t>
+              <a:rPr kumimoji="1" lang="zh-CN" altLang="en-US" sz="2800" dirty="0">
+                <a:latin typeface="Microsoft YaHei" panose="020B0503020204020204" pitchFamily="34" charset="-122"/>
+                <a:ea typeface="Microsoft YaHei" panose="020B0503020204020204" pitchFamily="34" charset="-122"/>
+              </a:rPr>
+              <a:t>那如何解决这种低效</a:t>
+            </a:r>
+            <a:r>
+              <a:rPr kumimoji="1" lang="en-US" altLang="zh-CN" sz="2800" dirty="0">
+                <a:latin typeface="Microsoft YaHei" panose="020B0503020204020204" pitchFamily="34" charset="-122"/>
+                <a:ea typeface="Microsoft YaHei" panose="020B0503020204020204" pitchFamily="34" charset="-122"/>
+              </a:rPr>
+              <a:t>(</a:t>
+            </a:r>
+            <a:r>
+              <a:rPr kumimoji="1" lang="zh-CN" altLang="en-US" sz="2800" dirty="0">
+                <a:latin typeface="Microsoft YaHei" panose="020B0503020204020204" pitchFamily="34" charset="-122"/>
+                <a:ea typeface="Microsoft YaHei" panose="020B0503020204020204" pitchFamily="34" charset="-122"/>
+              </a:rPr>
+              <a:t>时间上</a:t>
+            </a:r>
+            <a:r>
+              <a:rPr kumimoji="1" lang="en-US" altLang="zh-CN" sz="2800" dirty="0">
+                <a:latin typeface="Microsoft YaHei" panose="020B0503020204020204" pitchFamily="34" charset="-122"/>
+                <a:ea typeface="Microsoft YaHei" panose="020B0503020204020204" pitchFamily="34" charset="-122"/>
+              </a:rPr>
+              <a:t>)</a:t>
+            </a:r>
+            <a:r>
+              <a:rPr kumimoji="1" lang="zh-CN" altLang="en-US" sz="2800" dirty="0">
+                <a:latin typeface="Microsoft YaHei" panose="020B0503020204020204" pitchFamily="34" charset="-122"/>
+                <a:ea typeface="Microsoft YaHei" panose="020B0503020204020204" pitchFamily="34" charset="-122"/>
+              </a:rPr>
+              <a:t>或者空间上浪费呢？</a:t>
             </a:r>
           </a:p>
         </p:txBody>
@@ -5309,7 +6350,7 @@
     </p:spTree>
     <p:extLst>
       <p:ext uri="{BB962C8B-B14F-4D97-AF65-F5344CB8AC3E}">
-        <p14:creationId xmlns:p14="http://schemas.microsoft.com/office/powerpoint/2010/main" val="1742615019"/>
+        <p14:creationId xmlns:p14="http://schemas.microsoft.com/office/powerpoint/2010/main" val="4281154770"/>
       </p:ext>
     </p:extLst>
   </p:cSld>
@@ -5347,10 +6388,10 @@
       </p:grpSpPr>
       <p:sp>
         <p:nvSpPr>
-          <p:cNvPr id="2" name="文本框 1">
-            <a:extLst>
-              <a:ext uri="{FF2B5EF4-FFF2-40B4-BE49-F238E27FC236}">
-                <a16:creationId xmlns:a16="http://schemas.microsoft.com/office/drawing/2014/main" id="{12AA8BCC-7B15-4842-80C2-48C079429338}"/>
+          <p:cNvPr id="3" name="文本框 2">
+            <a:extLst>
+              <a:ext uri="{FF2B5EF4-FFF2-40B4-BE49-F238E27FC236}">
+                <a16:creationId xmlns:a16="http://schemas.microsoft.com/office/drawing/2014/main" id="{62BFC649-BF8E-2841-8EAF-47AFBF9D6671}"/>
               </a:ext>
             </a:extLst>
           </p:cNvPr>
@@ -5359,8 +6400,8 @@
         </p:nvSpPr>
         <p:spPr>
           <a:xfrm>
-            <a:off x="2228088" y="2921168"/>
-            <a:ext cx="7735824" cy="1015663"/>
+            <a:off x="2054352" y="630545"/>
+            <a:ext cx="8083296" cy="830997"/>
           </a:xfrm>
           <a:prstGeom prst="rect">
             <a:avLst/>
@@ -5375,11 +6416,90 @@
           <a:p>
             <a:pPr algn="ctr"/>
             <a:r>
-              <a:rPr kumimoji="1" lang="zh-CN" altLang="en-US" sz="6000" dirty="0">
+              <a:rPr kumimoji="1" lang="en-US" altLang="zh-CN" sz="4800" dirty="0">
                 <a:latin typeface="Microsoft YaHei" panose="020B0503020204020204" pitchFamily="34" charset="-122"/>
                 <a:ea typeface="Microsoft YaHei" panose="020B0503020204020204" pitchFamily="34" charset="-122"/>
               </a:rPr>
-              <a:t>这堂课我们学了撒？</a:t>
+              <a:t>4.</a:t>
+            </a:r>
+            <a:r>
+              <a:rPr kumimoji="1" lang="zh-CN" altLang="en-US" sz="4800" dirty="0">
+                <a:latin typeface="Microsoft YaHei" panose="020B0503020204020204" pitchFamily="34" charset="-122"/>
+                <a:ea typeface="Microsoft YaHei" panose="020B0503020204020204" pitchFamily="34" charset="-122"/>
+              </a:rPr>
+              <a:t>循环队列</a:t>
+            </a:r>
+          </a:p>
+        </p:txBody>
+      </p:sp>
+      <p:sp>
+        <p:nvSpPr>
+          <p:cNvPr id="4" name="TextBox 3"/>
+          <p:cNvSpPr txBox="1"/>
+          <p:nvPr/>
+        </p:nvSpPr>
+        <p:spPr>
+          <a:xfrm>
+            <a:off x="1610042" y="3094371"/>
+            <a:ext cx="7772400" cy="523220"/>
+          </a:xfrm>
+          <a:prstGeom prst="rect">
+            <a:avLst/>
+          </a:prstGeom>
+          <a:noFill/>
+        </p:spPr>
+        <p:txBody>
+          <a:bodyPr wrap="square" rtlCol="0">
+            <a:spAutoFit/>
+          </a:bodyPr>
+          <a:lstStyle/>
+          <a:p>
+            <a:r>
+              <a:rPr lang="zh-CN" altLang="en-US" sz="2800" dirty="0"/>
+              <a:t>头尾相接的顺序存储结构 称为 循环队列</a:t>
+            </a:r>
+          </a:p>
+        </p:txBody>
+      </p:sp>
+      <p:sp>
+        <p:nvSpPr>
+          <p:cNvPr id="5" name="文本框 5">
+            <a:extLst>
+              <a:ext uri="{FF2B5EF4-FFF2-40B4-BE49-F238E27FC236}">
+                <a16:creationId xmlns:a16="http://schemas.microsoft.com/office/drawing/2014/main" id="{9EFC4C1D-ECA4-5B4B-A241-92DFA4F89344}"/>
+              </a:ext>
+            </a:extLst>
+          </p:cNvPr>
+          <p:cNvSpPr txBox="1"/>
+          <p:nvPr/>
+        </p:nvSpPr>
+        <p:spPr>
+          <a:xfrm>
+            <a:off x="540000" y="2204035"/>
+            <a:ext cx="1070042" cy="542675"/>
+          </a:xfrm>
+          <a:prstGeom prst="rect">
+            <a:avLst/>
+          </a:prstGeom>
+          <a:solidFill>
+            <a:schemeClr val="accent2"/>
+          </a:solidFill>
+        </p:spPr>
+        <p:txBody>
+          <a:bodyPr wrap="square" rtlCol="0">
+            <a:spAutoFit/>
+          </a:bodyPr>
+          <a:lstStyle/>
+          <a:p>
+            <a:r>
+              <a:rPr kumimoji="1" lang="zh-CN" altLang="en-US" sz="2800" dirty="0">
+                <a:solidFill>
+                  <a:schemeClr val="bg1"/>
+                </a:solidFill>
+                <a:latin typeface="Microsoft YaHei" panose="020B0503020204020204" pitchFamily="34" charset="-122"/>
+                <a:ea typeface="Microsoft YaHei" panose="020B0503020204020204" pitchFamily="34" charset="-122"/>
+              </a:rPr>
+              <a:t>定义</a:t>
             </a:r>
           </a:p>
         </p:txBody>
@@ -5387,7 +6507,7 @@
     </p:spTree>
     <p:extLst>
       <p:ext uri="{BB962C8B-B14F-4D97-AF65-F5344CB8AC3E}">
-        <p14:creationId xmlns:p14="http://schemas.microsoft.com/office/powerpoint/2010/main" val="3338372476"/>
+        <p14:creationId xmlns:p14="http://schemas.microsoft.com/office/powerpoint/2010/main" val="1022283620"/>
       </p:ext>
     </p:extLst>
   </p:cSld>
@@ -5403,7 +6523,7 @@
     <p:bg>
       <p:bgPr>
         <a:blipFill>
-          <a:blip r:embed="rId3"/>
+          <a:blip r:embed="rId2"/>
           <a:tile tx="0" ty="0" sx="100000" sy="100000" flip="none" algn="tl"/>
         </a:blipFill>
         <a:effectLst/>
@@ -5437,8 +6557,8 @@
         </p:nvSpPr>
         <p:spPr>
           <a:xfrm>
-            <a:off x="914400" y="581161"/>
-            <a:ext cx="10363200" cy="830997"/>
+            <a:off x="2054352" y="630545"/>
+            <a:ext cx="8083296" cy="830997"/>
           </a:xfrm>
           <a:prstGeom prst="rect">
             <a:avLst/>
@@ -5453,40 +6573,181 @@
           <a:p>
             <a:pPr algn="ctr"/>
             <a:r>
+              <a:rPr kumimoji="1" lang="en-US" altLang="zh-CN" sz="4800" dirty="0">
+                <a:latin typeface="Microsoft YaHei" panose="020B0503020204020204" pitchFamily="34" charset="-122"/>
+                <a:ea typeface="Microsoft YaHei" panose="020B0503020204020204" pitchFamily="34" charset="-122"/>
+              </a:rPr>
+              <a:t>4.</a:t>
+            </a:r>
+            <a:r>
               <a:rPr kumimoji="1" lang="zh-CN" altLang="en-US" sz="4800" dirty="0">
                 <a:latin typeface="Microsoft YaHei" panose="020B0503020204020204" pitchFamily="34" charset="-122"/>
                 <a:ea typeface="Microsoft YaHei" panose="020B0503020204020204" pitchFamily="34" charset="-122"/>
               </a:rPr>
-              <a:t>总结</a:t>
-            </a:r>
-            <a:endParaRPr kumimoji="1" lang="en-US" altLang="zh-CN" sz="4800" dirty="0">
-              <a:latin typeface="Microsoft YaHei" panose="020B0503020204020204" pitchFamily="34" charset="-122"/>
-              <a:ea typeface="Microsoft YaHei" panose="020B0503020204020204" pitchFamily="34" charset="-122"/>
-            </a:endParaRPr>
-          </a:p>
-        </p:txBody>
-      </p:sp>
-      <p:sp>
-        <p:nvSpPr>
-          <p:cNvPr id="5" name="文本框 4">
-            <a:extLst>
-              <a:ext uri="{FF2B5EF4-FFF2-40B4-BE49-F238E27FC236}">
-                <a16:creationId xmlns:a16="http://schemas.microsoft.com/office/drawing/2014/main" id="{70A8FD9E-655D-F742-ACDB-18BF84BE05B3}"/>
-              </a:ext>
-            </a:extLst>
-          </p:cNvPr>
-          <p:cNvSpPr txBox="1"/>
+              <a:t>循环队列</a:t>
+            </a:r>
+          </a:p>
+        </p:txBody>
+      </p:sp>
+      <p:pic>
+        <p:nvPicPr>
+          <p:cNvPr id="7" name="图片 6">
+            <a:extLst>
+              <a:ext uri="{FF2B5EF4-FFF2-40B4-BE49-F238E27FC236}">
+                <a16:creationId xmlns:a16="http://schemas.microsoft.com/office/drawing/2014/main" id="{9D2258A2-C97C-B444-88F8-A40DCB63BAE2}"/>
+              </a:ext>
+            </a:extLst>
+          </p:cNvPr>
+          <p:cNvPicPr>
+            <a:picLocks noChangeAspect="1"/>
+          </p:cNvPicPr>
           <p:nvPr/>
-        </p:nvSpPr>
+        </p:nvPicPr>
+        <p:blipFill>
+          <a:blip r:embed="rId3"/>
+          <a:stretch>
+            <a:fillRect/>
+          </a:stretch>
+        </p:blipFill>
         <p:spPr>
           <a:xfrm>
-            <a:off x="765810" y="2785730"/>
-            <a:ext cx="9037409" cy="523220"/>
+            <a:off x="1452884" y="4706558"/>
+            <a:ext cx="9286231" cy="1671231"/>
           </a:xfrm>
           <a:prstGeom prst="rect">
             <a:avLst/>
           </a:prstGeom>
-          <a:noFill/>
+        </p:spPr>
+      </p:pic>
+      <p:pic>
+        <p:nvPicPr>
+          <p:cNvPr id="8" name="图片 7">
+            <a:extLst>
+              <a:ext uri="{FF2B5EF4-FFF2-40B4-BE49-F238E27FC236}">
+                <a16:creationId xmlns:a16="http://schemas.microsoft.com/office/drawing/2014/main" id="{3175045B-D025-D443-A1B4-D2B2A4852699}"/>
+              </a:ext>
+            </a:extLst>
+          </p:cNvPr>
+          <p:cNvPicPr>
+            <a:picLocks noChangeAspect="1"/>
+          </p:cNvPicPr>
+          <p:nvPr/>
+        </p:nvPicPr>
+        <p:blipFill>
+          <a:blip r:embed="rId4"/>
+          <a:stretch>
+            <a:fillRect/>
+          </a:stretch>
+        </p:blipFill>
+        <p:spPr>
+          <a:xfrm>
+            <a:off x="530700" y="2376718"/>
+            <a:ext cx="4781107" cy="1692690"/>
+          </a:xfrm>
+          <a:prstGeom prst="rect">
+            <a:avLst/>
+          </a:prstGeom>
+        </p:spPr>
+      </p:pic>
+      <p:pic>
+        <p:nvPicPr>
+          <p:cNvPr id="9" name="图片 8">
+            <a:extLst>
+              <a:ext uri="{FF2B5EF4-FFF2-40B4-BE49-F238E27FC236}">
+                <a16:creationId xmlns:a16="http://schemas.microsoft.com/office/drawing/2014/main" id="{798C6D8D-4807-814B-84B4-2322979F9E8C}"/>
+              </a:ext>
+            </a:extLst>
+          </p:cNvPr>
+          <p:cNvPicPr>
+            <a:picLocks noChangeAspect="1"/>
+          </p:cNvPicPr>
+          <p:nvPr/>
+        </p:nvPicPr>
+        <p:blipFill>
+          <a:blip r:embed="rId5"/>
+          <a:stretch>
+            <a:fillRect/>
+          </a:stretch>
+        </p:blipFill>
+        <p:spPr>
+          <a:xfrm>
+            <a:off x="7549116" y="2288307"/>
+            <a:ext cx="4071089" cy="1781101"/>
+          </a:xfrm>
+          <a:prstGeom prst="rect">
+            <a:avLst/>
+          </a:prstGeom>
+        </p:spPr>
+      </p:pic>
+      <p:sp>
+        <p:nvSpPr>
+          <p:cNvPr id="10" name="右箭头 9">
+            <a:extLst>
+              <a:ext uri="{FF2B5EF4-FFF2-40B4-BE49-F238E27FC236}">
+                <a16:creationId xmlns:a16="http://schemas.microsoft.com/office/drawing/2014/main" id="{C2E44F75-27DF-C04A-B9F0-31058A6C2DC7}"/>
+              </a:ext>
+            </a:extLst>
+          </p:cNvPr>
+          <p:cNvSpPr/>
+          <p:nvPr/>
+        </p:nvSpPr>
+        <p:spPr>
+          <a:xfrm>
+            <a:off x="5848046" y="2934308"/>
+            <a:ext cx="1032149" cy="489097"/>
+          </a:xfrm>
+          <a:prstGeom prst="rightArrow">
+            <a:avLst/>
+          </a:prstGeom>
+        </p:spPr>
+        <p:style>
+          <a:lnRef idx="2">
+            <a:schemeClr val="accent1">
+              <a:shade val="50000"/>
+            </a:schemeClr>
+          </a:lnRef>
+          <a:fillRef idx="1">
+            <a:schemeClr val="accent1"/>
+          </a:fillRef>
+          <a:effectRef idx="0">
+            <a:schemeClr val="accent1"/>
+          </a:effectRef>
+          <a:fontRef idx="minor">
+            <a:schemeClr val="lt1"/>
+          </a:fontRef>
+        </p:style>
+        <p:txBody>
+          <a:bodyPr rtlCol="0" anchor="ctr"/>
+          <a:lstStyle/>
+          <a:p>
+            <a:pPr algn="ctr"/>
+            <a:endParaRPr kumimoji="1" lang="zh-CN" altLang="en-US"/>
+          </a:p>
+        </p:txBody>
+      </p:sp>
+      <p:sp>
+        <p:nvSpPr>
+          <p:cNvPr id="11" name="文本框 10">
+            <a:extLst>
+              <a:ext uri="{FF2B5EF4-FFF2-40B4-BE49-F238E27FC236}">
+                <a16:creationId xmlns:a16="http://schemas.microsoft.com/office/drawing/2014/main" id="{41FEA9BD-08CF-A44C-8CC8-E0DFE62147D1}"/>
+              </a:ext>
+            </a:extLst>
+          </p:cNvPr>
+          <p:cNvSpPr txBox="1"/>
+          <p:nvPr/>
+        </p:nvSpPr>
+        <p:spPr>
+          <a:xfrm>
+            <a:off x="5496242" y="3700076"/>
+            <a:ext cx="1960863" cy="369332"/>
+          </a:xfrm>
+          <a:prstGeom prst="rect">
+            <a:avLst/>
+          </a:prstGeom>
+          <a:solidFill>
+            <a:schemeClr val="accent2"/>
+          </a:solidFill>
         </p:spPr>
         <p:txBody>
           <a:bodyPr wrap="square" rtlCol="0">
@@ -5495,30 +6756,20 @@
           <a:lstStyle/>
           <a:p>
             <a:r>
-              <a:rPr kumimoji="1" lang="zh-CN" altLang="en-US" sz="2800" dirty="0">
-                <a:latin typeface="Microsoft YaHei" panose="020B0503020204020204" pitchFamily="34" charset="-122"/>
-                <a:ea typeface="Microsoft YaHei" panose="020B0503020204020204" pitchFamily="34" charset="-122"/>
-              </a:rPr>
-              <a:t>重点： 两种存储方式 以及它们对应的</a:t>
-            </a:r>
-            <a:r>
-              <a:rPr kumimoji="1" lang="en-US" altLang="zh-CN" sz="2800" dirty="0">
-                <a:latin typeface="Microsoft YaHei" panose="020B0503020204020204" pitchFamily="34" charset="-122"/>
-                <a:ea typeface="Microsoft YaHei" panose="020B0503020204020204" pitchFamily="34" charset="-122"/>
-              </a:rPr>
-              <a:t>crud</a:t>
-            </a:r>
-            <a:endParaRPr kumimoji="1" lang="zh-CN" altLang="en-US" sz="2800" dirty="0">
-              <a:latin typeface="Microsoft YaHei" panose="020B0503020204020204" pitchFamily="34" charset="-122"/>
-              <a:ea typeface="Microsoft YaHei" panose="020B0503020204020204" pitchFamily="34" charset="-122"/>
-            </a:endParaRPr>
+              <a:rPr kumimoji="1" lang="zh-CN" altLang="en-US" dirty="0">
+                <a:solidFill>
+                  <a:schemeClr val="bg1"/>
+                </a:solidFill>
+              </a:rPr>
+              <a:t>继续入队列操作</a:t>
+            </a:r>
           </a:p>
         </p:txBody>
       </p:sp>
     </p:spTree>
     <p:extLst>
       <p:ext uri="{BB962C8B-B14F-4D97-AF65-F5344CB8AC3E}">
-        <p14:creationId xmlns:p14="http://schemas.microsoft.com/office/powerpoint/2010/main" val="4062917305"/>
+        <p14:creationId xmlns:p14="http://schemas.microsoft.com/office/powerpoint/2010/main" val="3427575366"/>
       </p:ext>
     </p:extLst>
   </p:cSld>
@@ -5571,7 +6822,7 @@
     </a:clrScheme>
     <a:fontScheme name="Office">
       <a:majorFont>
-        <a:latin typeface="等线 Light" panose="020F0302020204030204"/>
+        <a:latin typeface="等线 Light"/>
         <a:ea typeface=""/>
         <a:cs typeface=""/>
         <a:font script="Jpan" typeface="游ゴシック Light"/>
@@ -5623,7 +6874,7 @@
         <a:font script="Tfng" typeface="Ebrima"/>
       </a:majorFont>
       <a:minorFont>
-        <a:latin typeface="等线" panose="020F0502020204030204"/>
+        <a:latin typeface="等线"/>
         <a:ea typeface=""/>
         <a:cs typeface=""/>
         <a:font script="Jpan" typeface="游ゴシック"/>
@@ -5866,7 +7117,7 @@
     </a:clrScheme>
     <a:fontScheme name="Office">
       <a:majorFont>
-        <a:latin typeface="等线 Light" panose="020F0302020204030204"/>
+        <a:latin typeface="等线 Light"/>
         <a:ea typeface=""/>
         <a:cs typeface=""/>
         <a:font script="Jpan" typeface="游ゴシック Light"/>
@@ -5918,7 +7169,7 @@
         <a:font script="Tfng" typeface="Ebrima"/>
       </a:majorFont>
       <a:minorFont>
-        <a:latin typeface="等线" panose="020F0502020204030204"/>
+        <a:latin typeface="等线"/>
         <a:ea typeface=""/>
         <a:cs typeface=""/>
         <a:font script="Jpan" typeface="游ゴシック"/>

--- a/ppt/3.2 队列.pptx
+++ b/ppt/3.2 队列.pptx
@@ -5,7 +5,7 @@
     <p:sldMasterId id="2147483648" r:id="rId1"/>
   </p:sldMasterIdLst>
   <p:notesMasterIdLst>
-    <p:notesMasterId r:id="rId18"/>
+    <p:notesMasterId r:id="rId16"/>
   </p:notesMasterIdLst>
   <p:sldIdLst>
     <p:sldId id="258" r:id="rId2"/>
@@ -20,10 +20,8 @@
     <p:sldId id="291" r:id="rId11"/>
     <p:sldId id="289" r:id="rId12"/>
     <p:sldId id="286" r:id="rId13"/>
-    <p:sldId id="283" r:id="rId14"/>
-    <p:sldId id="279" r:id="rId15"/>
-    <p:sldId id="288" r:id="rId16"/>
-    <p:sldId id="265" r:id="rId17"/>
+    <p:sldId id="279" r:id="rId14"/>
+    <p:sldId id="288" r:id="rId15"/>
   </p:sldIdLst>
   <p:sldSz cx="12192000" cy="6858000"/>
   <p:notesSz cx="6858000" cy="9144000"/>
@@ -143,10 +141,8 @@
             <p14:sldId id="291"/>
             <p14:sldId id="289"/>
             <p14:sldId id="286"/>
-            <p14:sldId id="283"/>
             <p14:sldId id="279"/>
             <p14:sldId id="288"/>
-            <p14:sldId id="265"/>
           </p14:sldIdLst>
         </p14:section>
       </p14:sectionLst>
@@ -649,30 +645,6 @@
           <a:bodyPr/>
           <a:lstStyle/>
           <a:p>
-            <a:pPr marL="0" marR="0" lvl="0" indent="0" algn="l" defTabSz="914400" rtl="0" eaLnBrk="1" fontAlgn="auto" latinLnBrk="0" hangingPunct="1">
-              <a:lnSpc>
-                <a:spcPct val="100000"/>
-              </a:lnSpc>
-              <a:spcBef>
-                <a:spcPts val="0"/>
-              </a:spcBef>
-              <a:spcAft>
-                <a:spcPts val="0"/>
-              </a:spcAft>
-              <a:buClrTx/>
-              <a:buSzTx/>
-              <a:buFontTx/>
-              <a:buNone/>
-              <a:tabLst/>
-              <a:defRPr/>
-            </a:pPr>
-            <a:r>
-              <a:rPr kumimoji="1" lang="zh-CN" altLang="en-US" dirty="0"/>
-              <a:t>另一个例子：狗会叫，猫会叫，鸭子也会叫，那他们可以抽象成 一个动物对象，这个动物对象有叫这个动作，但至于具体如何叫，就不是抽象数据模型的职责了，而是具体数据类型的职责</a:t>
-            </a:r>
-            <a:endParaRPr kumimoji="1" lang="en-US" altLang="zh-CN" dirty="0"/>
-          </a:p>
-          <a:p>
             <a:endParaRPr kumimoji="1" lang="zh-CN" altLang="en-US" dirty="0"/>
           </a:p>
         </p:txBody>
@@ -695,7 +667,7 @@
             <a:fld id="{0F8E57A1-C481-6944-857F-EAC8E932B5ED}" type="slidenum">
               <a:rPr kumimoji="1" lang="zh-CN" altLang="en-US" smtClean="0"/>
               <a:pPr/>
-              <a:t>14</a:t>
+              <a:t>12</a:t>
             </a:fld>
             <a:endParaRPr kumimoji="1" lang="zh-CN" altLang="en-US"/>
           </a:p>
@@ -704,7 +676,7 @@
     </p:spTree>
     <p:extLst>
       <p:ext uri="{BB962C8B-B14F-4D97-AF65-F5344CB8AC3E}">
-        <p14:creationId xmlns:p14="http://schemas.microsoft.com/office/powerpoint/2010/main" val="4167110842"/>
+        <p14:creationId xmlns:p14="http://schemas.microsoft.com/office/powerpoint/2010/main" val="3019756518"/>
       </p:ext>
     </p:extLst>
   </p:cSld>
@@ -758,7 +730,7 @@
           <a:bodyPr/>
           <a:lstStyle/>
           <a:p>
-            <a:endParaRPr kumimoji="1" lang="zh-CN" altLang="en-US"/>
+            <a:endParaRPr kumimoji="1" lang="zh-CN" altLang="en-US" dirty="0"/>
           </a:p>
         </p:txBody>
       </p:sp>
@@ -780,7 +752,7 @@
             <a:fld id="{0F8E57A1-C481-6944-857F-EAC8E932B5ED}" type="slidenum">
               <a:rPr kumimoji="1" lang="zh-CN" altLang="en-US" smtClean="0"/>
               <a:pPr/>
-              <a:t>15</a:t>
+              <a:t>13</a:t>
             </a:fld>
             <a:endParaRPr kumimoji="1" lang="zh-CN" altLang="en-US"/>
           </a:p>
@@ -789,7 +761,7 @@
     </p:spTree>
     <p:extLst>
       <p:ext uri="{BB962C8B-B14F-4D97-AF65-F5344CB8AC3E}">
-        <p14:creationId xmlns:p14="http://schemas.microsoft.com/office/powerpoint/2010/main" val="3812805568"/>
+        <p14:creationId xmlns:p14="http://schemas.microsoft.com/office/powerpoint/2010/main" val="4167110842"/>
       </p:ext>
     </p:extLst>
   </p:cSld>
@@ -843,7 +815,7 @@
           <a:bodyPr/>
           <a:lstStyle/>
           <a:p>
-            <a:endParaRPr kumimoji="1" lang="zh-CN" altLang="en-US" dirty="0"/>
+            <a:endParaRPr kumimoji="1" lang="zh-CN" altLang="en-US"/>
           </a:p>
         </p:txBody>
       </p:sp>
@@ -865,7 +837,7 @@
             <a:fld id="{0F8E57A1-C481-6944-857F-EAC8E932B5ED}" type="slidenum">
               <a:rPr kumimoji="1" lang="zh-CN" altLang="en-US" smtClean="0"/>
               <a:pPr/>
-              <a:t>16</a:t>
+              <a:t>14</a:t>
             </a:fld>
             <a:endParaRPr kumimoji="1" lang="zh-CN" altLang="en-US"/>
           </a:p>
@@ -874,7 +846,7 @@
     </p:spTree>
     <p:extLst>
       <p:ext uri="{BB962C8B-B14F-4D97-AF65-F5344CB8AC3E}">
-        <p14:creationId xmlns:p14="http://schemas.microsoft.com/office/powerpoint/2010/main" val="1197134026"/>
+        <p14:creationId xmlns:p14="http://schemas.microsoft.com/office/powerpoint/2010/main" val="3812805568"/>
       </p:ext>
     </p:extLst>
   </p:cSld>
@@ -4214,6 +4186,49 @@
           </a:p>
         </p:txBody>
       </p:sp>
+      <p:pic>
+        <p:nvPicPr>
+          <p:cNvPr id="5" name="图片 2">
+            <a:extLst>
+              <a:ext uri="{FF2B5EF4-FFF2-40B4-BE49-F238E27FC236}">
+                <a16:creationId xmlns:a16="http://schemas.microsoft.com/office/drawing/2014/main" id="{1F7F5B17-EBCA-E247-A64B-F6D8216C961E}"/>
+              </a:ext>
+            </a:extLst>
+          </p:cNvPr>
+          <p:cNvPicPr>
+            <a:picLocks noChangeAspect="1" noChangeArrowheads="1"/>
+          </p:cNvPicPr>
+          <p:nvPr/>
+        </p:nvPicPr>
+        <p:blipFill>
+          <a:blip r:embed="rId3" cstate="print">
+            <a:extLst>
+              <a:ext uri="{28A0092B-C50C-407E-A947-70E740481C1C}">
+                <a14:useLocalDpi xmlns:a14="http://schemas.microsoft.com/office/drawing/2010/main" val="0"/>
+              </a:ext>
+            </a:extLst>
+          </a:blip>
+          <a:srcRect l="2818" t="9651" r="2068" b="9219"/>
+          <a:stretch>
+            <a:fillRect/>
+          </a:stretch>
+        </p:blipFill>
+        <p:spPr bwMode="auto">
+          <a:xfrm>
+            <a:off x="9186863" y="0"/>
+            <a:ext cx="3005137" cy="782637"/>
+          </a:xfrm>
+          <a:prstGeom prst="rect">
+            <a:avLst/>
+          </a:prstGeom>
+          <a:solidFill>
+            <a:schemeClr val="accent1"/>
+          </a:solidFill>
+          <a:ln>
+            <a:noFill/>
+          </a:ln>
+        </p:spPr>
+      </p:pic>
     </p:spTree>
     <p:extLst>
       <p:ext uri="{BB962C8B-B14F-4D97-AF65-F5344CB8AC3E}">
@@ -4287,14 +4302,14 @@
                 <a:latin typeface="Microsoft YaHei" panose="020B0503020204020204" pitchFamily="34" charset="-122"/>
                 <a:ea typeface="Microsoft YaHei" panose="020B0503020204020204" pitchFamily="34" charset="-122"/>
               </a:rPr>
-              <a:t>3.</a:t>
+              <a:t>3.3</a:t>
             </a:r>
             <a:r>
               <a:rPr kumimoji="1" lang="zh-CN" altLang="en-US" sz="4800" dirty="0">
                 <a:latin typeface="Microsoft YaHei" panose="020B0503020204020204" pitchFamily="34" charset="-122"/>
                 <a:ea typeface="Microsoft YaHei" panose="020B0503020204020204" pitchFamily="34" charset="-122"/>
               </a:rPr>
-              <a:t>队列的顺序存储实现</a:t>
+              <a:t> 队列的顺序存储代码实现</a:t>
             </a:r>
           </a:p>
         </p:txBody>
@@ -4449,7 +4464,7 @@
                 <a:latin typeface="Microsoft YaHei" panose="020B0503020204020204" pitchFamily="34" charset="-122"/>
                 <a:ea typeface="Microsoft YaHei" panose="020B0503020204020204" pitchFamily="34" charset="-122"/>
               </a:rPr>
-              <a:t>3.</a:t>
+              <a:t>4.</a:t>
             </a:r>
             <a:r>
               <a:rPr kumimoji="1" lang="zh-CN" altLang="en-US" sz="4800" dirty="0">
@@ -4548,176 +4563,6 @@
 </file>
 
 <file path=ppt/slides/slide12.xml><?xml version="1.0" encoding="utf-8"?>
-<p:sld xmlns:a="http://schemas.openxmlformats.org/drawingml/2006/main" xmlns:r="http://schemas.openxmlformats.org/officeDocument/2006/relationships" xmlns:p="http://schemas.openxmlformats.org/presentationml/2006/main">
-  <p:cSld>
-    <p:bg>
-      <p:bgPr>
-        <a:blipFill>
-          <a:blip r:embed="rId2"/>
-          <a:tile tx="0" ty="0" sx="100000" sy="100000" flip="none" algn="tl"/>
-        </a:blipFill>
-        <a:effectLst/>
-      </p:bgPr>
-    </p:bg>
-    <p:spTree>
-      <p:nvGrpSpPr>
-        <p:cNvPr id="1" name=""/>
-        <p:cNvGrpSpPr/>
-        <p:nvPr/>
-      </p:nvGrpSpPr>
-      <p:grpSpPr>
-        <a:xfrm>
-          <a:off x="0" y="0"/>
-          <a:ext cx="0" cy="0"/>
-          <a:chOff x="0" y="0"/>
-          <a:chExt cx="0" cy="0"/>
-        </a:xfrm>
-      </p:grpSpPr>
-      <p:sp>
-        <p:nvSpPr>
-          <p:cNvPr id="3" name="文本框 2">
-            <a:extLst>
-              <a:ext uri="{FF2B5EF4-FFF2-40B4-BE49-F238E27FC236}">
-                <a16:creationId xmlns:a16="http://schemas.microsoft.com/office/drawing/2014/main" id="{62BFC649-BF8E-2841-8EAF-47AFBF9D6671}"/>
-              </a:ext>
-            </a:extLst>
-          </p:cNvPr>
-          <p:cNvSpPr txBox="1"/>
-          <p:nvPr/>
-        </p:nvSpPr>
-        <p:spPr>
-          <a:xfrm>
-            <a:off x="2054352" y="655874"/>
-            <a:ext cx="8083296" cy="830997"/>
-          </a:xfrm>
-          <a:prstGeom prst="rect">
-            <a:avLst/>
-          </a:prstGeom>
-          <a:noFill/>
-        </p:spPr>
-        <p:txBody>
-          <a:bodyPr wrap="square" rtlCol="0">
-            <a:spAutoFit/>
-          </a:bodyPr>
-          <a:lstStyle/>
-          <a:p>
-            <a:pPr algn="ctr"/>
-            <a:r>
-              <a:rPr kumimoji="1" lang="en-US" altLang="zh-CN" sz="4800" dirty="0">
-                <a:latin typeface="Microsoft YaHei" panose="020B0503020204020204" pitchFamily="34" charset="-122"/>
-                <a:ea typeface="Microsoft YaHei" panose="020B0503020204020204" pitchFamily="34" charset="-122"/>
-              </a:rPr>
-              <a:t>4.</a:t>
-            </a:r>
-            <a:r>
-              <a:rPr kumimoji="1" lang="zh-CN" altLang="en-US" sz="4800" dirty="0">
-                <a:latin typeface="Microsoft YaHei" panose="020B0503020204020204" pitchFamily="34" charset="-122"/>
-                <a:ea typeface="Microsoft YaHei" panose="020B0503020204020204" pitchFamily="34" charset="-122"/>
-              </a:rPr>
-              <a:t>队列的应用</a:t>
-            </a:r>
-          </a:p>
-        </p:txBody>
-      </p:sp>
-    </p:spTree>
-    <p:extLst>
-      <p:ext uri="{BB962C8B-B14F-4D97-AF65-F5344CB8AC3E}">
-        <p14:creationId xmlns:p14="http://schemas.microsoft.com/office/powerpoint/2010/main" val="1981531383"/>
-      </p:ext>
-    </p:extLst>
-  </p:cSld>
-  <p:clrMapOvr>
-    <a:masterClrMapping/>
-  </p:clrMapOvr>
-</p:sld>
-</file>
-
-<file path=ppt/slides/slide13.xml><?xml version="1.0" encoding="utf-8"?>
-<p:sld xmlns:a="http://schemas.openxmlformats.org/drawingml/2006/main" xmlns:r="http://schemas.openxmlformats.org/officeDocument/2006/relationships" xmlns:p="http://schemas.openxmlformats.org/presentationml/2006/main">
-  <p:cSld>
-    <p:bg>
-      <p:bgPr>
-        <a:blipFill>
-          <a:blip r:embed="rId2"/>
-          <a:tile tx="0" ty="0" sx="100000" sy="100000" flip="none" algn="tl"/>
-        </a:blipFill>
-        <a:effectLst/>
-      </p:bgPr>
-    </p:bg>
-    <p:spTree>
-      <p:nvGrpSpPr>
-        <p:cNvPr id="1" name=""/>
-        <p:cNvGrpSpPr/>
-        <p:nvPr/>
-      </p:nvGrpSpPr>
-      <p:grpSpPr>
-        <a:xfrm>
-          <a:off x="0" y="0"/>
-          <a:ext cx="0" cy="0"/>
-          <a:chOff x="0" y="0"/>
-          <a:chExt cx="0" cy="0"/>
-        </a:xfrm>
-      </p:grpSpPr>
-      <p:sp>
-        <p:nvSpPr>
-          <p:cNvPr id="3" name="文本框 2">
-            <a:extLst>
-              <a:ext uri="{FF2B5EF4-FFF2-40B4-BE49-F238E27FC236}">
-                <a16:creationId xmlns:a16="http://schemas.microsoft.com/office/drawing/2014/main" id="{62BFC649-BF8E-2841-8EAF-47AFBF9D6671}"/>
-              </a:ext>
-            </a:extLst>
-          </p:cNvPr>
-          <p:cNvSpPr txBox="1"/>
-          <p:nvPr/>
-        </p:nvSpPr>
-        <p:spPr>
-          <a:xfrm>
-            <a:off x="2054352" y="718220"/>
-            <a:ext cx="8083296" cy="830997"/>
-          </a:xfrm>
-          <a:prstGeom prst="rect">
-            <a:avLst/>
-          </a:prstGeom>
-          <a:noFill/>
-        </p:spPr>
-        <p:txBody>
-          <a:bodyPr wrap="square" rtlCol="0">
-            <a:spAutoFit/>
-          </a:bodyPr>
-          <a:lstStyle/>
-          <a:p>
-            <a:pPr algn="ctr"/>
-            <a:r>
-              <a:rPr kumimoji="1" lang="en-US" altLang="zh-CN" sz="4800" dirty="0">
-                <a:latin typeface="Microsoft YaHei" panose="020B0503020204020204" pitchFamily="34" charset="-122"/>
-                <a:ea typeface="Microsoft YaHei" panose="020B0503020204020204" pitchFamily="34" charset="-122"/>
-              </a:rPr>
-              <a:t>5.</a:t>
-            </a:r>
-            <a:r>
-              <a:rPr kumimoji="1" lang="zh-CN" altLang="en-US" sz="4800" dirty="0">
-                <a:latin typeface="Microsoft YaHei" panose="020B0503020204020204" pitchFamily="34" charset="-122"/>
-                <a:ea typeface="Microsoft YaHei" panose="020B0503020204020204" pitchFamily="34" charset="-122"/>
-              </a:rPr>
-              <a:t>循环队列</a:t>
-            </a:r>
-          </a:p>
-        </p:txBody>
-      </p:sp>
-    </p:spTree>
-    <p:extLst>
-      <p:ext uri="{BB962C8B-B14F-4D97-AF65-F5344CB8AC3E}">
-        <p14:creationId xmlns:p14="http://schemas.microsoft.com/office/powerpoint/2010/main" val="1742615019"/>
-      </p:ext>
-    </p:extLst>
-  </p:cSld>
-  <p:clrMapOvr>
-    <a:masterClrMapping/>
-  </p:clrMapOvr>
-</p:sld>
-</file>
-
-<file path=ppt/slides/slide14.xml><?xml version="1.0" encoding="utf-8"?>
 <p:sld xmlns:a="http://schemas.openxmlformats.org/drawingml/2006/main" xmlns:r="http://schemas.openxmlformats.org/officeDocument/2006/relationships" xmlns:p="http://schemas.openxmlformats.org/presentationml/2006/main">
   <p:cSld>
     <p:bg>
@@ -4745,10 +4590,10 @@
       </p:grpSpPr>
       <p:sp>
         <p:nvSpPr>
-          <p:cNvPr id="2" name="文本框 1">
-            <a:extLst>
-              <a:ext uri="{FF2B5EF4-FFF2-40B4-BE49-F238E27FC236}">
-                <a16:creationId xmlns:a16="http://schemas.microsoft.com/office/drawing/2014/main" id="{12AA8BCC-7B15-4842-80C2-48C079429338}"/>
+          <p:cNvPr id="3" name="文本框 2">
+            <a:extLst>
+              <a:ext uri="{FF2B5EF4-FFF2-40B4-BE49-F238E27FC236}">
+                <a16:creationId xmlns:a16="http://schemas.microsoft.com/office/drawing/2014/main" id="{62BFC649-BF8E-2841-8EAF-47AFBF9D6671}"/>
               </a:ext>
             </a:extLst>
           </p:cNvPr>
@@ -4757,8 +4602,8 @@
         </p:nvSpPr>
         <p:spPr>
           <a:xfrm>
-            <a:off x="2228088" y="2921168"/>
-            <a:ext cx="7735824" cy="1015663"/>
+            <a:off x="2054352" y="655874"/>
+            <a:ext cx="8083296" cy="830997"/>
           </a:xfrm>
           <a:prstGeom prst="rect">
             <a:avLst/>
@@ -4773,19 +4618,101 @@
           <a:p>
             <a:pPr algn="ctr"/>
             <a:r>
-              <a:rPr kumimoji="1" lang="zh-CN" altLang="en-US" sz="6000" dirty="0">
+              <a:rPr kumimoji="1" lang="en-US" altLang="zh-CN" sz="4800" dirty="0">
                 <a:latin typeface="Microsoft YaHei" panose="020B0503020204020204" pitchFamily="34" charset="-122"/>
                 <a:ea typeface="Microsoft YaHei" panose="020B0503020204020204" pitchFamily="34" charset="-122"/>
               </a:rPr>
-              <a:t>这堂课我们学了撒？</a:t>
-            </a:r>
+              <a:t>5.</a:t>
+            </a:r>
+            <a:r>
+              <a:rPr kumimoji="1" lang="zh-CN" altLang="en-US" sz="4800" dirty="0">
+                <a:latin typeface="Microsoft YaHei" panose="020B0503020204020204" pitchFamily="34" charset="-122"/>
+                <a:ea typeface="Microsoft YaHei" panose="020B0503020204020204" pitchFamily="34" charset="-122"/>
+              </a:rPr>
+              <a:t>队列的应用</a:t>
+            </a:r>
+          </a:p>
+        </p:txBody>
+      </p:sp>
+      <p:sp>
+        <p:nvSpPr>
+          <p:cNvPr id="2" name="文本框 1">
+            <a:extLst>
+              <a:ext uri="{FF2B5EF4-FFF2-40B4-BE49-F238E27FC236}">
+                <a16:creationId xmlns:a16="http://schemas.microsoft.com/office/drawing/2014/main" id="{8AD08B7A-ADC6-0C47-B8F5-91F3FED14A74}"/>
+              </a:ext>
+            </a:extLst>
+          </p:cNvPr>
+          <p:cNvSpPr txBox="1"/>
+          <p:nvPr/>
+        </p:nvSpPr>
+        <p:spPr>
+          <a:xfrm>
+            <a:off x="2120699" y="2664307"/>
+            <a:ext cx="8016949" cy="1384995"/>
+          </a:xfrm>
+          <a:prstGeom prst="rect">
+            <a:avLst/>
+          </a:prstGeom>
+          <a:noFill/>
+        </p:spPr>
+        <p:txBody>
+          <a:bodyPr wrap="square" rtlCol="0">
+            <a:spAutoFit/>
+          </a:bodyPr>
+          <a:lstStyle/>
+          <a:p>
+            <a:r>
+              <a:rPr kumimoji="1" lang="zh-CN" altLang="en-US" sz="2800" dirty="0">
+                <a:latin typeface="Microsoft YaHei" panose="020B0503020204020204" pitchFamily="34" charset="-122"/>
+                <a:ea typeface="Microsoft YaHei" panose="020B0503020204020204" pitchFamily="34" charset="-122"/>
+              </a:rPr>
+              <a:t>手机操作系统的 消息队列</a:t>
+            </a:r>
+            <a:endParaRPr kumimoji="1" lang="en-US" altLang="zh-CN" sz="2800" dirty="0">
+              <a:latin typeface="Microsoft YaHei" panose="020B0503020204020204" pitchFamily="34" charset="-122"/>
+              <a:ea typeface="Microsoft YaHei" panose="020B0503020204020204" pitchFamily="34" charset="-122"/>
+            </a:endParaRPr>
+          </a:p>
+          <a:p>
+            <a:r>
+              <a:rPr kumimoji="1" lang="en-US" altLang="zh-CN" sz="2800" dirty="0">
+                <a:latin typeface="Microsoft YaHei" panose="020B0503020204020204" pitchFamily="34" charset="-122"/>
+                <a:ea typeface="Microsoft YaHei" panose="020B0503020204020204" pitchFamily="34" charset="-122"/>
+              </a:rPr>
+              <a:t>Java</a:t>
+            </a:r>
+            <a:r>
+              <a:rPr kumimoji="1" lang="zh-CN" altLang="en-US" sz="2800" dirty="0">
+                <a:latin typeface="Microsoft YaHei" panose="020B0503020204020204" pitchFamily="34" charset="-122"/>
+                <a:ea typeface="Microsoft YaHei" panose="020B0503020204020204" pitchFamily="34" charset="-122"/>
+              </a:rPr>
+              <a:t> 线程池处理队列 </a:t>
+            </a:r>
+            <a:r>
+              <a:rPr kumimoji="1" lang="en-US" altLang="zh-CN" sz="2800" dirty="0" err="1">
+                <a:latin typeface="Microsoft YaHei" panose="020B0503020204020204" pitchFamily="34" charset="-122"/>
+                <a:ea typeface="Microsoft YaHei" panose="020B0503020204020204" pitchFamily="34" charset="-122"/>
+              </a:rPr>
+              <a:t>ThreadPoolExecutor</a:t>
+            </a:r>
+            <a:endParaRPr kumimoji="1" lang="en-US" altLang="zh-CN" sz="2800" dirty="0">
+              <a:latin typeface="Microsoft YaHei" panose="020B0503020204020204" pitchFamily="34" charset="-122"/>
+              <a:ea typeface="Microsoft YaHei" panose="020B0503020204020204" pitchFamily="34" charset="-122"/>
+            </a:endParaRPr>
+          </a:p>
+          <a:p>
+            <a:endParaRPr kumimoji="1" lang="en-US" altLang="zh-CN" sz="2800" dirty="0">
+              <a:latin typeface="Microsoft YaHei" panose="020B0503020204020204" pitchFamily="34" charset="-122"/>
+              <a:ea typeface="Microsoft YaHei" panose="020B0503020204020204" pitchFamily="34" charset="-122"/>
+            </a:endParaRPr>
           </a:p>
         </p:txBody>
       </p:sp>
     </p:spTree>
     <p:extLst>
       <p:ext uri="{BB962C8B-B14F-4D97-AF65-F5344CB8AC3E}">
-        <p14:creationId xmlns:p14="http://schemas.microsoft.com/office/powerpoint/2010/main" val="3338372476"/>
+        <p14:creationId xmlns:p14="http://schemas.microsoft.com/office/powerpoint/2010/main" val="1981531383"/>
       </p:ext>
     </p:extLst>
   </p:cSld>
@@ -4795,7 +4722,7 @@
 </p:sld>
 </file>
 
-<file path=ppt/slides/slide15.xml><?xml version="1.0" encoding="utf-8"?>
+<file path=ppt/slides/slide13.xml><?xml version="1.0" encoding="utf-8"?>
 <p:sld xmlns:a="http://schemas.openxmlformats.org/drawingml/2006/main" xmlns:r="http://schemas.openxmlformats.org/officeDocument/2006/relationships" xmlns:p="http://schemas.openxmlformats.org/presentationml/2006/main">
   <p:cSld>
     <p:bg>
@@ -4823,10 +4750,10 @@
       </p:grpSpPr>
       <p:sp>
         <p:nvSpPr>
-          <p:cNvPr id="3" name="文本框 2">
-            <a:extLst>
-              <a:ext uri="{FF2B5EF4-FFF2-40B4-BE49-F238E27FC236}">
-                <a16:creationId xmlns:a16="http://schemas.microsoft.com/office/drawing/2014/main" id="{62BFC649-BF8E-2841-8EAF-47AFBF9D6671}"/>
+          <p:cNvPr id="2" name="文本框 1">
+            <a:extLst>
+              <a:ext uri="{FF2B5EF4-FFF2-40B4-BE49-F238E27FC236}">
+                <a16:creationId xmlns:a16="http://schemas.microsoft.com/office/drawing/2014/main" id="{12AA8BCC-7B15-4842-80C2-48C079429338}"/>
               </a:ext>
             </a:extLst>
           </p:cNvPr>
@@ -4835,8 +4762,8 @@
         </p:nvSpPr>
         <p:spPr>
           <a:xfrm>
-            <a:off x="914400" y="581161"/>
-            <a:ext cx="10363200" cy="830997"/>
+            <a:off x="2228088" y="2921168"/>
+            <a:ext cx="7735824" cy="1015663"/>
           </a:xfrm>
           <a:prstGeom prst="rect">
             <a:avLst/>
@@ -4851,72 +4778,19 @@
           <a:p>
             <a:pPr algn="ctr"/>
             <a:r>
-              <a:rPr kumimoji="1" lang="zh-CN" altLang="en-US" sz="4800" dirty="0">
+              <a:rPr kumimoji="1" lang="zh-CN" altLang="en-US" sz="6000" dirty="0">
                 <a:latin typeface="Microsoft YaHei" panose="020B0503020204020204" pitchFamily="34" charset="-122"/>
                 <a:ea typeface="Microsoft YaHei" panose="020B0503020204020204" pitchFamily="34" charset="-122"/>
               </a:rPr>
-              <a:t>总结</a:t>
-            </a:r>
-            <a:endParaRPr kumimoji="1" lang="en-US" altLang="zh-CN" sz="4800" dirty="0">
-              <a:latin typeface="Microsoft YaHei" panose="020B0503020204020204" pitchFamily="34" charset="-122"/>
-              <a:ea typeface="Microsoft YaHei" panose="020B0503020204020204" pitchFamily="34" charset="-122"/>
-            </a:endParaRPr>
-          </a:p>
-        </p:txBody>
-      </p:sp>
-      <p:sp>
-        <p:nvSpPr>
-          <p:cNvPr id="5" name="文本框 4">
-            <a:extLst>
-              <a:ext uri="{FF2B5EF4-FFF2-40B4-BE49-F238E27FC236}">
-                <a16:creationId xmlns:a16="http://schemas.microsoft.com/office/drawing/2014/main" id="{70A8FD9E-655D-F742-ACDB-18BF84BE05B3}"/>
-              </a:ext>
-            </a:extLst>
-          </p:cNvPr>
-          <p:cNvSpPr txBox="1"/>
-          <p:nvPr/>
-        </p:nvSpPr>
-        <p:spPr>
-          <a:xfrm>
-            <a:off x="765810" y="2785730"/>
-            <a:ext cx="9037409" cy="523220"/>
-          </a:xfrm>
-          <a:prstGeom prst="rect">
-            <a:avLst/>
-          </a:prstGeom>
-          <a:noFill/>
-        </p:spPr>
-        <p:txBody>
-          <a:bodyPr wrap="square" rtlCol="0">
-            <a:spAutoFit/>
-          </a:bodyPr>
-          <a:lstStyle/>
-          <a:p>
-            <a:r>
-              <a:rPr kumimoji="1" lang="zh-CN" altLang="en-US" sz="2800" dirty="0">
-                <a:latin typeface="Microsoft YaHei" panose="020B0503020204020204" pitchFamily="34" charset="-122"/>
-                <a:ea typeface="Microsoft YaHei" panose="020B0503020204020204" pitchFamily="34" charset="-122"/>
-              </a:rPr>
-              <a:t>重点： 两种存储方式 以及它们对应的</a:t>
-            </a:r>
-            <a:r>
-              <a:rPr kumimoji="1" lang="en-US" altLang="zh-CN" sz="2800" dirty="0">
-                <a:latin typeface="Microsoft YaHei" panose="020B0503020204020204" pitchFamily="34" charset="-122"/>
-                <a:ea typeface="Microsoft YaHei" panose="020B0503020204020204" pitchFamily="34" charset="-122"/>
-              </a:rPr>
-              <a:t>crud</a:t>
-            </a:r>
-            <a:endParaRPr kumimoji="1" lang="zh-CN" altLang="en-US" sz="2800" dirty="0">
-              <a:latin typeface="Microsoft YaHei" panose="020B0503020204020204" pitchFamily="34" charset="-122"/>
-              <a:ea typeface="Microsoft YaHei" panose="020B0503020204020204" pitchFamily="34" charset="-122"/>
-            </a:endParaRPr>
+              <a:t>这堂课我们学了啥？</a:t>
+            </a:r>
           </a:p>
         </p:txBody>
       </p:sp>
     </p:spTree>
     <p:extLst>
       <p:ext uri="{BB962C8B-B14F-4D97-AF65-F5344CB8AC3E}">
-        <p14:creationId xmlns:p14="http://schemas.microsoft.com/office/powerpoint/2010/main" val="4062917305"/>
+        <p14:creationId xmlns:p14="http://schemas.microsoft.com/office/powerpoint/2010/main" val="3338372476"/>
       </p:ext>
     </p:extLst>
   </p:cSld>
@@ -4926,7 +4800,7 @@
 </p:sld>
 </file>
 
-<file path=ppt/slides/slide16.xml><?xml version="1.0" encoding="utf-8"?>
+<file path=ppt/slides/slide14.xml><?xml version="1.0" encoding="utf-8"?>
 <p:sld xmlns:a="http://schemas.openxmlformats.org/drawingml/2006/main" xmlns:r="http://schemas.openxmlformats.org/officeDocument/2006/relationships" xmlns:p="http://schemas.openxmlformats.org/presentationml/2006/main">
   <p:cSld>
     <p:bg>
@@ -4960,7 +4834,7 @@
     </p:spTree>
     <p:extLst>
       <p:ext uri="{BB962C8B-B14F-4D97-AF65-F5344CB8AC3E}">
-        <p14:creationId xmlns:p14="http://schemas.microsoft.com/office/powerpoint/2010/main" val="721635264"/>
+        <p14:creationId xmlns:p14="http://schemas.microsoft.com/office/powerpoint/2010/main" val="4062917305"/>
       </p:ext>
     </p:extLst>
   </p:cSld>
@@ -5727,8 +5601,8 @@
         </p:nvSpPr>
         <p:spPr>
           <a:xfrm>
-            <a:off x="2054352" y="528379"/>
-            <a:ext cx="8812122" cy="830997"/>
+            <a:off x="2054351" y="630545"/>
+            <a:ext cx="9471341" cy="830997"/>
           </a:xfrm>
           <a:prstGeom prst="rect">
             <a:avLst/>
@@ -5747,7 +5621,7 @@
                 <a:latin typeface="Microsoft YaHei" panose="020B0503020204020204" pitchFamily="34" charset="-122"/>
                 <a:ea typeface="Microsoft YaHei" panose="020B0503020204020204" pitchFamily="34" charset="-122"/>
               </a:rPr>
-              <a:t>3.</a:t>
+              <a:t>3.1</a:t>
             </a:r>
             <a:r>
               <a:rPr kumimoji="1" lang="zh-CN" altLang="en-US" sz="4800" dirty="0">
@@ -6015,6 +5889,20 @@
                 <a:ea typeface="Microsoft YaHei" panose="020B0503020204020204" pitchFamily="34" charset="-122"/>
               </a:rPr>
               <a:t>3.</a:t>
+            </a:r>
+            <a:r>
+              <a:rPr kumimoji="1" lang="zh-CN" altLang="en-US" sz="4800" dirty="0">
+                <a:latin typeface="Microsoft YaHei" panose="020B0503020204020204" pitchFamily="34" charset="-122"/>
+                <a:ea typeface="Microsoft YaHei" panose="020B0503020204020204" pitchFamily="34" charset="-122"/>
+              </a:rPr>
+              <a:t> </a:t>
+            </a:r>
+            <a:r>
+              <a:rPr kumimoji="1" lang="en-US" altLang="zh-CN" sz="4800" dirty="0">
+                <a:latin typeface="Microsoft YaHei" panose="020B0503020204020204" pitchFamily="34" charset="-122"/>
+                <a:ea typeface="Microsoft YaHei" panose="020B0503020204020204" pitchFamily="34" charset="-122"/>
+              </a:rPr>
+              <a:t>1</a:t>
             </a:r>
             <a:r>
               <a:rPr kumimoji="1" lang="zh-CN" altLang="en-US" sz="4800" dirty="0">
@@ -6420,14 +6308,14 @@
                 <a:latin typeface="Microsoft YaHei" panose="020B0503020204020204" pitchFamily="34" charset="-122"/>
                 <a:ea typeface="Microsoft YaHei" panose="020B0503020204020204" pitchFamily="34" charset="-122"/>
               </a:rPr>
-              <a:t>4.</a:t>
+              <a:t>3.2</a:t>
             </a:r>
             <a:r>
               <a:rPr kumimoji="1" lang="zh-CN" altLang="en-US" sz="4800" dirty="0">
                 <a:latin typeface="Microsoft YaHei" panose="020B0503020204020204" pitchFamily="34" charset="-122"/>
                 <a:ea typeface="Microsoft YaHei" panose="020B0503020204020204" pitchFamily="34" charset="-122"/>
               </a:rPr>
-              <a:t>循环队列</a:t>
+              <a:t> 循环队列</a:t>
             </a:r>
           </a:p>
         </p:txBody>
@@ -6577,7 +6465,21 @@
                 <a:latin typeface="Microsoft YaHei" panose="020B0503020204020204" pitchFamily="34" charset="-122"/>
                 <a:ea typeface="Microsoft YaHei" panose="020B0503020204020204" pitchFamily="34" charset="-122"/>
               </a:rPr>
-              <a:t>4.</a:t>
+              <a:t>3.2</a:t>
+            </a:r>
+            <a:r>
+              <a:rPr kumimoji="1" lang="zh-CN" altLang="en-US" sz="4800" dirty="0">
+                <a:latin typeface="Microsoft YaHei" panose="020B0503020204020204" pitchFamily="34" charset="-122"/>
+                <a:ea typeface="Microsoft YaHei" panose="020B0503020204020204" pitchFamily="34" charset="-122"/>
+              </a:rPr>
+              <a:t> </a:t>
+            </a:r>
+            <a:r>
+              <a:rPr kumimoji="1" lang="en-US" altLang="zh-CN" sz="4800" dirty="0">
+                <a:latin typeface="Microsoft YaHei" panose="020B0503020204020204" pitchFamily="34" charset="-122"/>
+                <a:ea typeface="Microsoft YaHei" panose="020B0503020204020204" pitchFamily="34" charset="-122"/>
+              </a:rPr>
+              <a:t>.</a:t>
             </a:r>
             <a:r>
               <a:rPr kumimoji="1" lang="zh-CN" altLang="en-US" sz="4800" dirty="0">

--- a/ppt/3.2 队列.pptx
+++ b/ppt/3.2 队列.pptx
@@ -248,7 +248,7 @@
             <a:fld id="{66C3546E-20F6-7649-A9A4-4E4A245D3E82}" type="datetimeFigureOut">
               <a:rPr kumimoji="1" lang="zh-CN" altLang="en-US" smtClean="0"/>
               <a:pPr/>
-              <a:t>2020/3/3</a:t>
+              <a:t>2020/3/5</a:t>
             </a:fld>
             <a:endParaRPr kumimoji="1" lang="zh-CN" altLang="en-US"/>
           </a:p>
@@ -1004,7 +1004,7 @@
             <a:fld id="{1C49BB65-7B3F-4D4E-A397-BBFD82890A5A}" type="datetimeFigureOut">
               <a:rPr kumimoji="1" lang="zh-CN" altLang="en-US" smtClean="0"/>
               <a:pPr/>
-              <a:t>2020/3/3</a:t>
+              <a:t>2020/3/5</a:t>
             </a:fld>
             <a:endParaRPr kumimoji="1" lang="zh-CN" altLang="en-US"/>
           </a:p>
@@ -1204,7 +1204,7 @@
             <a:fld id="{1C49BB65-7B3F-4D4E-A397-BBFD82890A5A}" type="datetimeFigureOut">
               <a:rPr kumimoji="1" lang="zh-CN" altLang="en-US" smtClean="0"/>
               <a:pPr/>
-              <a:t>2020/3/3</a:t>
+              <a:t>2020/3/5</a:t>
             </a:fld>
             <a:endParaRPr kumimoji="1" lang="zh-CN" altLang="en-US"/>
           </a:p>
@@ -1414,7 +1414,7 @@
             <a:fld id="{1C49BB65-7B3F-4D4E-A397-BBFD82890A5A}" type="datetimeFigureOut">
               <a:rPr kumimoji="1" lang="zh-CN" altLang="en-US" smtClean="0"/>
               <a:pPr/>
-              <a:t>2020/3/3</a:t>
+              <a:t>2020/3/5</a:t>
             </a:fld>
             <a:endParaRPr kumimoji="1" lang="zh-CN" altLang="en-US"/>
           </a:p>
@@ -1614,7 +1614,7 @@
             <a:fld id="{1C49BB65-7B3F-4D4E-A397-BBFD82890A5A}" type="datetimeFigureOut">
               <a:rPr kumimoji="1" lang="zh-CN" altLang="en-US" smtClean="0"/>
               <a:pPr/>
-              <a:t>2020/3/3</a:t>
+              <a:t>2020/3/5</a:t>
             </a:fld>
             <a:endParaRPr kumimoji="1" lang="zh-CN" altLang="en-US"/>
           </a:p>
@@ -1891,7 +1891,7 @@
             <a:fld id="{1C49BB65-7B3F-4D4E-A397-BBFD82890A5A}" type="datetimeFigureOut">
               <a:rPr kumimoji="1" lang="zh-CN" altLang="en-US" smtClean="0"/>
               <a:pPr/>
-              <a:t>2020/3/3</a:t>
+              <a:t>2020/3/5</a:t>
             </a:fld>
             <a:endParaRPr kumimoji="1" lang="zh-CN" altLang="en-US"/>
           </a:p>
@@ -2158,7 +2158,7 @@
             <a:fld id="{1C49BB65-7B3F-4D4E-A397-BBFD82890A5A}" type="datetimeFigureOut">
               <a:rPr kumimoji="1" lang="zh-CN" altLang="en-US" smtClean="0"/>
               <a:pPr/>
-              <a:t>2020/3/3</a:t>
+              <a:t>2020/3/5</a:t>
             </a:fld>
             <a:endParaRPr kumimoji="1" lang="zh-CN" altLang="en-US"/>
           </a:p>
@@ -2572,7 +2572,7 @@
             <a:fld id="{1C49BB65-7B3F-4D4E-A397-BBFD82890A5A}" type="datetimeFigureOut">
               <a:rPr kumimoji="1" lang="zh-CN" altLang="en-US" smtClean="0"/>
               <a:pPr/>
-              <a:t>2020/3/3</a:t>
+              <a:t>2020/3/5</a:t>
             </a:fld>
             <a:endParaRPr kumimoji="1" lang="zh-CN" altLang="en-US"/>
           </a:p>
@@ -2715,7 +2715,7 @@
             <a:fld id="{1C49BB65-7B3F-4D4E-A397-BBFD82890A5A}" type="datetimeFigureOut">
               <a:rPr kumimoji="1" lang="zh-CN" altLang="en-US" smtClean="0"/>
               <a:pPr/>
-              <a:t>2020/3/3</a:t>
+              <a:t>2020/3/5</a:t>
             </a:fld>
             <a:endParaRPr kumimoji="1" lang="zh-CN" altLang="en-US"/>
           </a:p>
@@ -3087,7 +3087,7 @@
             <a:fld id="{1C49BB65-7B3F-4D4E-A397-BBFD82890A5A}" type="datetimeFigureOut">
               <a:rPr kumimoji="1" lang="zh-CN" altLang="en-US" smtClean="0"/>
               <a:pPr/>
-              <a:t>2020/3/3</a:t>
+              <a:t>2020/3/5</a:t>
             </a:fld>
             <a:endParaRPr kumimoji="1" lang="zh-CN" altLang="en-US"/>
           </a:p>
@@ -3377,7 +3377,7 @@
             <a:fld id="{1C49BB65-7B3F-4D4E-A397-BBFD82890A5A}" type="datetimeFigureOut">
               <a:rPr kumimoji="1" lang="zh-CN" altLang="en-US" smtClean="0"/>
               <a:pPr/>
-              <a:t>2020/3/3</a:t>
+              <a:t>2020/3/5</a:t>
             </a:fld>
             <a:endParaRPr kumimoji="1" lang="zh-CN" altLang="en-US"/>
           </a:p>
@@ -3620,7 +3620,7 @@
             <a:fld id="{1C49BB65-7B3F-4D4E-A397-BBFD82890A5A}" type="datetimeFigureOut">
               <a:rPr kumimoji="1" lang="zh-CN" altLang="en-US" smtClean="0"/>
               <a:pPr/>
-              <a:t>2020/3/3</a:t>
+              <a:t>2020/3/5</a:t>
             </a:fld>
             <a:endParaRPr kumimoji="1" lang="zh-CN" altLang="en-US"/>
           </a:p>
@@ -4181,7 +4181,28 @@
                 <a:latin typeface="Microsoft YaHei" panose="020B0503020204020204" pitchFamily="34" charset="-122"/>
                 <a:ea typeface="Microsoft YaHei" panose="020B0503020204020204" pitchFamily="34" charset="-122"/>
               </a:rPr>
-              <a:t>第五节课 队列</a:t>
+              <a:t>第</a:t>
+            </a:r>
+            <a:r>
+              <a:rPr kumimoji="1" lang="en-US" altLang="zh-CN" sz="4000">
+                <a:latin typeface="Microsoft YaHei" panose="020B0503020204020204" pitchFamily="34" charset="-122"/>
+                <a:ea typeface="Microsoft YaHei" panose="020B0503020204020204" pitchFamily="34" charset="-122"/>
+              </a:rPr>
+              <a:t>5</a:t>
+            </a:r>
+            <a:r>
+              <a:rPr kumimoji="1" lang="zh-CN" altLang="en-US" sz="4000">
+                <a:latin typeface="Microsoft YaHei" panose="020B0503020204020204" pitchFamily="34" charset="-122"/>
+                <a:ea typeface="Microsoft YaHei" panose="020B0503020204020204" pitchFamily="34" charset="-122"/>
+              </a:rPr>
+              <a:t>节</a:t>
+            </a:r>
+            <a:r>
+              <a:rPr kumimoji="1" lang="zh-CN" altLang="en-US" sz="4000" dirty="0">
+                <a:latin typeface="Microsoft YaHei" panose="020B0503020204020204" pitchFamily="34" charset="-122"/>
+                <a:ea typeface="Microsoft YaHei" panose="020B0503020204020204" pitchFamily="34" charset="-122"/>
+              </a:rPr>
+              <a:t>课 队列</a:t>
             </a:r>
           </a:p>
         </p:txBody>

--- a/ppt/3.2 队列.pptx
+++ b/ppt/3.2 队列.pptx
@@ -248,7 +248,7 @@
             <a:fld id="{66C3546E-20F6-7649-A9A4-4E4A245D3E82}" type="datetimeFigureOut">
               <a:rPr kumimoji="1" lang="zh-CN" altLang="en-US" smtClean="0"/>
               <a:pPr/>
-              <a:t>2020/3/5</a:t>
+              <a:t>2020/3/23</a:t>
             </a:fld>
             <a:endParaRPr kumimoji="1" lang="zh-CN" altLang="en-US"/>
           </a:p>
@@ -1004,7 +1004,7 @@
             <a:fld id="{1C49BB65-7B3F-4D4E-A397-BBFD82890A5A}" type="datetimeFigureOut">
               <a:rPr kumimoji="1" lang="zh-CN" altLang="en-US" smtClean="0"/>
               <a:pPr/>
-              <a:t>2020/3/5</a:t>
+              <a:t>2020/3/23</a:t>
             </a:fld>
             <a:endParaRPr kumimoji="1" lang="zh-CN" altLang="en-US"/>
           </a:p>
@@ -1204,7 +1204,7 @@
             <a:fld id="{1C49BB65-7B3F-4D4E-A397-BBFD82890A5A}" type="datetimeFigureOut">
               <a:rPr kumimoji="1" lang="zh-CN" altLang="en-US" smtClean="0"/>
               <a:pPr/>
-              <a:t>2020/3/5</a:t>
+              <a:t>2020/3/23</a:t>
             </a:fld>
             <a:endParaRPr kumimoji="1" lang="zh-CN" altLang="en-US"/>
           </a:p>
@@ -1414,7 +1414,7 @@
             <a:fld id="{1C49BB65-7B3F-4D4E-A397-BBFD82890A5A}" type="datetimeFigureOut">
               <a:rPr kumimoji="1" lang="zh-CN" altLang="en-US" smtClean="0"/>
               <a:pPr/>
-              <a:t>2020/3/5</a:t>
+              <a:t>2020/3/23</a:t>
             </a:fld>
             <a:endParaRPr kumimoji="1" lang="zh-CN" altLang="en-US"/>
           </a:p>
@@ -1614,7 +1614,7 @@
             <a:fld id="{1C49BB65-7B3F-4D4E-A397-BBFD82890A5A}" type="datetimeFigureOut">
               <a:rPr kumimoji="1" lang="zh-CN" altLang="en-US" smtClean="0"/>
               <a:pPr/>
-              <a:t>2020/3/5</a:t>
+              <a:t>2020/3/23</a:t>
             </a:fld>
             <a:endParaRPr kumimoji="1" lang="zh-CN" altLang="en-US"/>
           </a:p>
@@ -1891,7 +1891,7 @@
             <a:fld id="{1C49BB65-7B3F-4D4E-A397-BBFD82890A5A}" type="datetimeFigureOut">
               <a:rPr kumimoji="1" lang="zh-CN" altLang="en-US" smtClean="0"/>
               <a:pPr/>
-              <a:t>2020/3/5</a:t>
+              <a:t>2020/3/23</a:t>
             </a:fld>
             <a:endParaRPr kumimoji="1" lang="zh-CN" altLang="en-US"/>
           </a:p>
@@ -2158,7 +2158,7 @@
             <a:fld id="{1C49BB65-7B3F-4D4E-A397-BBFD82890A5A}" type="datetimeFigureOut">
               <a:rPr kumimoji="1" lang="zh-CN" altLang="en-US" smtClean="0"/>
               <a:pPr/>
-              <a:t>2020/3/5</a:t>
+              <a:t>2020/3/23</a:t>
             </a:fld>
             <a:endParaRPr kumimoji="1" lang="zh-CN" altLang="en-US"/>
           </a:p>
@@ -2572,7 +2572,7 @@
             <a:fld id="{1C49BB65-7B3F-4D4E-A397-BBFD82890A5A}" type="datetimeFigureOut">
               <a:rPr kumimoji="1" lang="zh-CN" altLang="en-US" smtClean="0"/>
               <a:pPr/>
-              <a:t>2020/3/5</a:t>
+              <a:t>2020/3/23</a:t>
             </a:fld>
             <a:endParaRPr kumimoji="1" lang="zh-CN" altLang="en-US"/>
           </a:p>
@@ -2715,7 +2715,7 @@
             <a:fld id="{1C49BB65-7B3F-4D4E-A397-BBFD82890A5A}" type="datetimeFigureOut">
               <a:rPr kumimoji="1" lang="zh-CN" altLang="en-US" smtClean="0"/>
               <a:pPr/>
-              <a:t>2020/3/5</a:t>
+              <a:t>2020/3/23</a:t>
             </a:fld>
             <a:endParaRPr kumimoji="1" lang="zh-CN" altLang="en-US"/>
           </a:p>
@@ -3087,7 +3087,7 @@
             <a:fld id="{1C49BB65-7B3F-4D4E-A397-BBFD82890A5A}" type="datetimeFigureOut">
               <a:rPr kumimoji="1" lang="zh-CN" altLang="en-US" smtClean="0"/>
               <a:pPr/>
-              <a:t>2020/3/5</a:t>
+              <a:t>2020/3/23</a:t>
             </a:fld>
             <a:endParaRPr kumimoji="1" lang="zh-CN" altLang="en-US"/>
           </a:p>
@@ -3377,7 +3377,7 @@
             <a:fld id="{1C49BB65-7B3F-4D4E-A397-BBFD82890A5A}" type="datetimeFigureOut">
               <a:rPr kumimoji="1" lang="zh-CN" altLang="en-US" smtClean="0"/>
               <a:pPr/>
-              <a:t>2020/3/5</a:t>
+              <a:t>2020/3/23</a:t>
             </a:fld>
             <a:endParaRPr kumimoji="1" lang="zh-CN" altLang="en-US"/>
           </a:p>
@@ -3620,7 +3620,7 @@
             <a:fld id="{1C49BB65-7B3F-4D4E-A397-BBFD82890A5A}" type="datetimeFigureOut">
               <a:rPr kumimoji="1" lang="zh-CN" altLang="en-US" smtClean="0"/>
               <a:pPr/>
-              <a:t>2020/3/5</a:t>
+              <a:t>2020/3/23</a:t>
             </a:fld>
             <a:endParaRPr kumimoji="1" lang="zh-CN" altLang="en-US"/>
           </a:p>
@@ -5454,6 +5454,47 @@
           </a:prstGeom>
         </p:spPr>
       </p:pic>
+      <p:sp>
+        <p:nvSpPr>
+          <p:cNvPr id="2" name="文本框 1">
+            <a:extLst>
+              <a:ext uri="{FF2B5EF4-FFF2-40B4-BE49-F238E27FC236}">
+                <a16:creationId xmlns:a16="http://schemas.microsoft.com/office/drawing/2014/main" id="{3104686D-CB8F-084C-9E38-26F65BE04605}"/>
+              </a:ext>
+            </a:extLst>
+          </p:cNvPr>
+          <p:cNvSpPr txBox="1"/>
+          <p:nvPr/>
+        </p:nvSpPr>
+        <p:spPr>
+          <a:xfrm>
+            <a:off x="9988152" y="5981567"/>
+            <a:ext cx="2012462" cy="369332"/>
+          </a:xfrm>
+          <a:prstGeom prst="rect">
+            <a:avLst/>
+          </a:prstGeom>
+          <a:solidFill>
+            <a:schemeClr val="accent2"/>
+          </a:solidFill>
+        </p:spPr>
+        <p:txBody>
+          <a:bodyPr wrap="square" rtlCol="0">
+            <a:spAutoFit/>
+          </a:bodyPr>
+          <a:lstStyle/>
+          <a:p>
+            <a:r>
+              <a:rPr kumimoji="1" lang="zh-CN" altLang="en-US" dirty="0">
+                <a:solidFill>
+                  <a:schemeClr val="bg1"/>
+                </a:solidFill>
+              </a:rPr>
+              <a:t>请和栈进行比较</a:t>
+            </a:r>
+          </a:p>
+        </p:txBody>
+      </p:sp>
     </p:spTree>
     <p:extLst>
       <p:ext uri="{BB962C8B-B14F-4D97-AF65-F5344CB8AC3E}">
